--- a/地震預測分析說明.pptx
+++ b/地震預測分析說明.pptx
@@ -8,8 +8,13 @@
     <p:sldId id="256" r:id="rId2"/>
     <p:sldId id="257" r:id="rId3"/>
     <p:sldId id="258" r:id="rId4"/>
-    <p:sldId id="260" r:id="rId5"/>
-    <p:sldId id="259" r:id="rId6"/>
+    <p:sldId id="266" r:id="rId5"/>
+    <p:sldId id="260" r:id="rId6"/>
+    <p:sldId id="262" r:id="rId7"/>
+    <p:sldId id="267" r:id="rId8"/>
+    <p:sldId id="259" r:id="rId9"/>
+    <p:sldId id="261" r:id="rId10"/>
+    <p:sldId id="268" r:id="rId11"/>
   </p:sldIdLst>
   <p:sldSz cx="12192000" cy="6858000"/>
   <p:notesSz cx="6858000" cy="9144000"/>
@@ -263,7 +268,7 @@
           <a:p>
             <a:fld id="{AE32B099-1C41-4BDE-9A38-49A3919D78AA}" type="datetimeFigureOut">
               <a:rPr lang="zh-TW" altLang="en-US" smtClean="0"/>
-              <a:t>2020/2/22</a:t>
+              <a:t>2020/3/4</a:t>
             </a:fld>
             <a:endParaRPr lang="zh-TW" altLang="en-US"/>
           </a:p>
@@ -461,7 +466,7 @@
           <a:p>
             <a:fld id="{AE32B099-1C41-4BDE-9A38-49A3919D78AA}" type="datetimeFigureOut">
               <a:rPr lang="zh-TW" altLang="en-US" smtClean="0"/>
-              <a:t>2020/2/22</a:t>
+              <a:t>2020/3/4</a:t>
             </a:fld>
             <a:endParaRPr lang="zh-TW" altLang="en-US"/>
           </a:p>
@@ -669,7 +674,7 @@
           <a:p>
             <a:fld id="{AE32B099-1C41-4BDE-9A38-49A3919D78AA}" type="datetimeFigureOut">
               <a:rPr lang="zh-TW" altLang="en-US" smtClean="0"/>
-              <a:t>2020/2/22</a:t>
+              <a:t>2020/3/4</a:t>
             </a:fld>
             <a:endParaRPr lang="zh-TW" altLang="en-US"/>
           </a:p>
@@ -867,7 +872,7 @@
           <a:p>
             <a:fld id="{AE32B099-1C41-4BDE-9A38-49A3919D78AA}" type="datetimeFigureOut">
               <a:rPr lang="zh-TW" altLang="en-US" smtClean="0"/>
-              <a:t>2020/2/22</a:t>
+              <a:t>2020/3/4</a:t>
             </a:fld>
             <a:endParaRPr lang="zh-TW" altLang="en-US"/>
           </a:p>
@@ -1142,7 +1147,7 @@
           <a:p>
             <a:fld id="{AE32B099-1C41-4BDE-9A38-49A3919D78AA}" type="datetimeFigureOut">
               <a:rPr lang="zh-TW" altLang="en-US" smtClean="0"/>
-              <a:t>2020/2/22</a:t>
+              <a:t>2020/3/4</a:t>
             </a:fld>
             <a:endParaRPr lang="zh-TW" altLang="en-US"/>
           </a:p>
@@ -1407,7 +1412,7 @@
           <a:p>
             <a:fld id="{AE32B099-1C41-4BDE-9A38-49A3919D78AA}" type="datetimeFigureOut">
               <a:rPr lang="zh-TW" altLang="en-US" smtClean="0"/>
-              <a:t>2020/2/22</a:t>
+              <a:t>2020/3/4</a:t>
             </a:fld>
             <a:endParaRPr lang="zh-TW" altLang="en-US"/>
           </a:p>
@@ -1819,7 +1824,7 @@
           <a:p>
             <a:fld id="{AE32B099-1C41-4BDE-9A38-49A3919D78AA}" type="datetimeFigureOut">
               <a:rPr lang="zh-TW" altLang="en-US" smtClean="0"/>
-              <a:t>2020/2/22</a:t>
+              <a:t>2020/3/4</a:t>
             </a:fld>
             <a:endParaRPr lang="zh-TW" altLang="en-US"/>
           </a:p>
@@ -1960,7 +1965,7 @@
           <a:p>
             <a:fld id="{AE32B099-1C41-4BDE-9A38-49A3919D78AA}" type="datetimeFigureOut">
               <a:rPr lang="zh-TW" altLang="en-US" smtClean="0"/>
-              <a:t>2020/2/22</a:t>
+              <a:t>2020/3/4</a:t>
             </a:fld>
             <a:endParaRPr lang="zh-TW" altLang="en-US"/>
           </a:p>
@@ -2073,7 +2078,7 @@
           <a:p>
             <a:fld id="{AE32B099-1C41-4BDE-9A38-49A3919D78AA}" type="datetimeFigureOut">
               <a:rPr lang="zh-TW" altLang="en-US" smtClean="0"/>
-              <a:t>2020/2/22</a:t>
+              <a:t>2020/3/4</a:t>
             </a:fld>
             <a:endParaRPr lang="zh-TW" altLang="en-US"/>
           </a:p>
@@ -2384,7 +2389,7 @@
           <a:p>
             <a:fld id="{AE32B099-1C41-4BDE-9A38-49A3919D78AA}" type="datetimeFigureOut">
               <a:rPr lang="zh-TW" altLang="en-US" smtClean="0"/>
-              <a:t>2020/2/22</a:t>
+              <a:t>2020/3/4</a:t>
             </a:fld>
             <a:endParaRPr lang="zh-TW" altLang="en-US"/>
           </a:p>
@@ -2672,7 +2677,7 @@
           <a:p>
             <a:fld id="{AE32B099-1C41-4BDE-9A38-49A3919D78AA}" type="datetimeFigureOut">
               <a:rPr lang="zh-TW" altLang="en-US" smtClean="0"/>
-              <a:t>2020/2/22</a:t>
+              <a:t>2020/3/4</a:t>
             </a:fld>
             <a:endParaRPr lang="zh-TW" altLang="en-US"/>
           </a:p>
@@ -2913,7 +2918,7 @@
           <a:p>
             <a:fld id="{AE32B099-1C41-4BDE-9A38-49A3919D78AA}" type="datetimeFigureOut">
               <a:rPr lang="zh-TW" altLang="en-US" smtClean="0"/>
-              <a:t>2020/2/22</a:t>
+              <a:t>2020/3/4</a:t>
             </a:fld>
             <a:endParaRPr lang="zh-TW" altLang="en-US"/>
           </a:p>
@@ -3346,7 +3351,12 @@
             <p:ph type="ctrTitle"/>
           </p:nvPr>
         </p:nvSpPr>
-        <p:spPr/>
+        <p:spPr>
+          <a:xfrm>
+            <a:off x="435005" y="1113485"/>
+            <a:ext cx="11138517" cy="2393194"/>
+          </a:xfrm>
+        </p:spPr>
         <p:txBody>
           <a:bodyPr/>
           <a:lstStyle/>
@@ -3398,6 +3408,131 @@
     <p:extLst>
       <p:ext uri="{BB962C8B-B14F-4D97-AF65-F5344CB8AC3E}">
         <p14:creationId xmlns:p14="http://schemas.microsoft.com/office/powerpoint/2010/main" val="2056807420"/>
+      </p:ext>
+    </p:extLst>
+  </p:cSld>
+  <p:clrMapOvr>
+    <a:masterClrMapping/>
+  </p:clrMapOvr>
+</p:sld>
+</file>
+
+<file path=ppt/slides/slide10.xml><?xml version="1.0" encoding="utf-8"?>
+<p:sld xmlns:a="http://schemas.openxmlformats.org/drawingml/2006/main" xmlns:r="http://schemas.openxmlformats.org/officeDocument/2006/relationships" xmlns:p="http://schemas.openxmlformats.org/presentationml/2006/main">
+  <p:cSld>
+    <p:spTree>
+      <p:nvGrpSpPr>
+        <p:cNvPr id="1" name=""/>
+        <p:cNvGrpSpPr/>
+        <p:nvPr/>
+      </p:nvGrpSpPr>
+      <p:grpSpPr>
+        <a:xfrm>
+          <a:off x="0" y="0"/>
+          <a:ext cx="0" cy="0"/>
+          <a:chOff x="0" y="0"/>
+          <a:chExt cx="0" cy="0"/>
+        </a:xfrm>
+      </p:grpSpPr>
+      <p:sp>
+        <p:nvSpPr>
+          <p:cNvPr id="2" name="標題 1">
+            <a:extLst>
+              <a:ext uri="{FF2B5EF4-FFF2-40B4-BE49-F238E27FC236}">
+                <a16:creationId xmlns:a16="http://schemas.microsoft.com/office/drawing/2014/main" id="{8A239071-DFF6-48F9-AC7C-2E9A3E4A1661}"/>
+              </a:ext>
+            </a:extLst>
+          </p:cNvPr>
+          <p:cNvSpPr>
+            <a:spLocks noGrp="1"/>
+          </p:cNvSpPr>
+          <p:nvPr>
+            <p:ph type="title"/>
+          </p:nvPr>
+        </p:nvSpPr>
+        <p:spPr/>
+        <p:txBody>
+          <a:bodyPr/>
+          <a:lstStyle/>
+          <a:p>
+            <a:r>
+              <a:rPr lang="zh-TW" altLang="en-US" dirty="0"/>
+              <a:t>參考資料</a:t>
+            </a:r>
+          </a:p>
+        </p:txBody>
+      </p:sp>
+      <p:sp>
+        <p:nvSpPr>
+          <p:cNvPr id="3" name="內容版面配置區 2">
+            <a:extLst>
+              <a:ext uri="{FF2B5EF4-FFF2-40B4-BE49-F238E27FC236}">
+                <a16:creationId xmlns:a16="http://schemas.microsoft.com/office/drawing/2014/main" id="{455FE37F-6E9F-42CF-895E-0B03A8E34401}"/>
+              </a:ext>
+            </a:extLst>
+          </p:cNvPr>
+          <p:cNvSpPr>
+            <a:spLocks noGrp="1"/>
+          </p:cNvSpPr>
+          <p:nvPr>
+            <p:ph idx="1"/>
+          </p:nvPr>
+        </p:nvSpPr>
+        <p:spPr/>
+        <p:txBody>
+          <a:bodyPr/>
+          <a:lstStyle/>
+          <a:p>
+            <a:r>
+              <a:rPr lang="en-US" altLang="zh-TW" dirty="0">
+                <a:hlinkClick r:id="rId2"/>
+              </a:rPr>
+              <a:t>Earthquakes FE. More features and samples</a:t>
+            </a:r>
+            <a:endParaRPr lang="en-US" altLang="zh-TW" dirty="0"/>
+          </a:p>
+          <a:p>
+            <a:r>
+              <a:rPr lang="zh-TW" altLang="en-US" dirty="0">
+                <a:hlinkClick r:id="rId3"/>
+              </a:rPr>
+              <a:t>窗函數介紹</a:t>
+            </a:r>
+            <a:endParaRPr lang="en-US" altLang="zh-TW" dirty="0"/>
+          </a:p>
+          <a:p>
+            <a:r>
+              <a:rPr lang="en-US" altLang="zh-TW" dirty="0">
+                <a:hlinkClick r:id="rId4"/>
+              </a:rPr>
+              <a:t>STA/LTA</a:t>
+            </a:r>
+            <a:r>
+              <a:rPr lang="zh-TW" altLang="en-US" dirty="0">
+                <a:hlinkClick r:id="rId4"/>
+              </a:rPr>
+              <a:t> 參考資料</a:t>
+            </a:r>
+            <a:endParaRPr lang="en-US" altLang="zh-TW" dirty="0"/>
+          </a:p>
+          <a:p>
+            <a:r>
+              <a:rPr lang="zh-TW" altLang="zh-TW" dirty="0">
+                <a:hlinkClick r:id="rId5"/>
+              </a:rPr>
+              <a:t>短時距傅立葉變換</a:t>
+            </a:r>
+            <a:endParaRPr lang="zh-TW" altLang="zh-TW" dirty="0"/>
+          </a:p>
+          <a:p>
+            <a:endParaRPr lang="zh-TW" altLang="en-US" dirty="0"/>
+          </a:p>
+        </p:txBody>
+      </p:sp>
+    </p:spTree>
+    <p:extLst>
+      <p:ext uri="{BB962C8B-B14F-4D97-AF65-F5344CB8AC3E}">
+        <p14:creationId xmlns:p14="http://schemas.microsoft.com/office/powerpoint/2010/main" val="197215733"/>
       </p:ext>
     </p:extLst>
   </p:cSld>
@@ -3470,45 +3605,90 @@
         </p:nvSpPr>
         <p:spPr/>
         <p:txBody>
-          <a:bodyPr/>
-          <a:lstStyle/>
-          <a:p>
-            <a:r>
-              <a:rPr lang="en-US" altLang="zh-TW" dirty="0"/>
+          <a:bodyPr>
+            <a:normAutofit/>
+          </a:bodyPr>
+          <a:lstStyle/>
+          <a:p>
+            <a:r>
+              <a:rPr lang="en-US" altLang="zh-TW" sz="2400" dirty="0"/>
               <a:t>Los Alamos National Laboratory(LANL)</a:t>
             </a:r>
             <a:r>
-              <a:rPr lang="zh-TW" altLang="en-US" dirty="0"/>
+              <a:rPr lang="zh-TW" altLang="en-US" sz="2400" dirty="0"/>
               <a:t>的模擬實驗</a:t>
             </a:r>
-            <a:endParaRPr lang="en-US" altLang="zh-TW" dirty="0"/>
-          </a:p>
-          <a:p>
-            <a:endParaRPr lang="en-US" altLang="zh-TW" dirty="0"/>
-          </a:p>
-          <a:p>
-            <a:r>
-              <a:rPr lang="zh-TW" altLang="en-US" dirty="0"/>
-              <a:t>數據來自使用雙軸剪力裝置進行實驗得到的聲波數據</a:t>
-            </a:r>
-            <a:endParaRPr lang="en-US" altLang="zh-TW" dirty="0"/>
-          </a:p>
-          <a:p>
-            <a:r>
-              <a:rPr lang="en-US" altLang="zh-TW" dirty="0"/>
+            <a:endParaRPr lang="en-US" altLang="zh-TW" sz="2400" dirty="0"/>
+          </a:p>
+          <a:p>
+            <a:endParaRPr lang="en-US" altLang="zh-TW" sz="2400" dirty="0"/>
+          </a:p>
+          <a:p>
+            <a:r>
+              <a:rPr lang="zh-TW" altLang="en-US" sz="2400" dirty="0"/>
+              <a:t>數據來自使用雙軸剪力</a:t>
+            </a:r>
+            <a:br>
+              <a:rPr lang="en-US" altLang="zh-TW" sz="2400" dirty="0"/>
+            </a:br>
+            <a:r>
+              <a:rPr lang="zh-TW" altLang="en-US" sz="2400" dirty="0"/>
+              <a:t>裝置進行實驗得到的聲波數據</a:t>
+            </a:r>
+            <a:br>
+              <a:rPr lang="en-US" altLang="zh-TW" sz="2400" dirty="0"/>
+            </a:br>
+            <a:r>
+              <a:rPr lang="en-US" altLang="zh-TW" sz="2400" dirty="0"/>
               <a:t>(</a:t>
             </a:r>
             <a:r>
-              <a:rPr lang="zh-TW" altLang="en-US" dirty="0"/>
-              <a:t>快要想到怎麼說了</a:t>
-            </a:r>
-            <a:r>
-              <a:rPr lang="en-US" altLang="zh-TW" dirty="0"/>
+              <a:rPr lang="zh-TW" altLang="en-US" sz="2400" dirty="0"/>
+              <a:t>右圖</a:t>
+            </a:r>
+            <a:r>
+              <a:rPr lang="en-US" altLang="zh-TW" sz="2400" dirty="0"/>
               <a:t>)</a:t>
             </a:r>
           </a:p>
         </p:txBody>
       </p:sp>
+      <p:pic>
+        <p:nvPicPr>
+          <p:cNvPr id="7" name="圖片 6" descr="一張含有 桌 的圖片&#10;&#10;自動產生的描述">
+            <a:extLst>
+              <a:ext uri="{FF2B5EF4-FFF2-40B4-BE49-F238E27FC236}">
+                <a16:creationId xmlns:a16="http://schemas.microsoft.com/office/drawing/2014/main" id="{2475E5BB-6EC8-4E68-82E9-FFF321F06854}"/>
+              </a:ext>
+            </a:extLst>
+          </p:cNvPr>
+          <p:cNvPicPr>
+            <a:picLocks noChangeAspect="1"/>
+          </p:cNvPicPr>
+          <p:nvPr/>
+        </p:nvPicPr>
+        <p:blipFill>
+          <a:blip r:embed="rId2">
+            <a:extLst>
+              <a:ext uri="{28A0092B-C50C-407E-A947-70E740481C1C}">
+                <a14:useLocalDpi xmlns:a14="http://schemas.microsoft.com/office/drawing/2010/main" val="0"/>
+              </a:ext>
+            </a:extLst>
+          </a:blip>
+          <a:stretch>
+            <a:fillRect/>
+          </a:stretch>
+        </p:blipFill>
+        <p:spPr>
+          <a:xfrm>
+            <a:off x="5726883" y="2432480"/>
+            <a:ext cx="4009107" cy="3472741"/>
+          </a:xfrm>
+          <a:prstGeom prst="rect">
+            <a:avLst/>
+          </a:prstGeom>
+        </p:spPr>
+      </p:pic>
     </p:spTree>
     <p:extLst>
       <p:ext uri="{BB962C8B-B14F-4D97-AF65-F5344CB8AC3E}">
@@ -3562,48 +3742,8 @@
           <a:p>
             <a:r>
               <a:rPr lang="zh-TW" altLang="en-US" dirty="0"/>
-              <a:t>資料概況</a:t>
-            </a:r>
-          </a:p>
-        </p:txBody>
-      </p:sp>
-      <p:sp>
-        <p:nvSpPr>
-          <p:cNvPr id="3" name="內容版面配置區 2">
-            <a:extLst>
-              <a:ext uri="{FF2B5EF4-FFF2-40B4-BE49-F238E27FC236}">
-                <a16:creationId xmlns:a16="http://schemas.microsoft.com/office/drawing/2014/main" id="{5D3379A3-190D-4496-AA5C-513B08E61A12}"/>
-              </a:ext>
-            </a:extLst>
-          </p:cNvPr>
-          <p:cNvSpPr>
-            <a:spLocks noGrp="1"/>
-          </p:cNvSpPr>
-          <p:nvPr>
-            <p:ph idx="1"/>
-          </p:nvPr>
-        </p:nvSpPr>
-        <p:spPr/>
-        <p:txBody>
-          <a:bodyPr/>
-          <a:lstStyle/>
-          <a:p>
-            <a:r>
-              <a:rPr lang="zh-TW" altLang="en-US" dirty="0"/>
-              <a:t>約有</a:t>
-            </a:r>
-            <a:r>
-              <a:rPr lang="en-US" altLang="zh-TW" dirty="0"/>
-              <a:t>16</a:t>
-            </a:r>
-            <a:r>
-              <a:rPr lang="zh-TW" altLang="en-US" dirty="0"/>
-              <a:t>次地震</a:t>
-            </a:r>
-            <a:endParaRPr lang="en-US" altLang="zh-TW" dirty="0"/>
-          </a:p>
-          <a:p>
-            <a:endParaRPr lang="zh-TW" altLang="en-US" dirty="0"/>
+              <a:t>訓練資料概況</a:t>
+            </a:r>
           </a:p>
         </p:txBody>
       </p:sp>
@@ -3635,7 +3775,7 @@
         </p:blipFill>
         <p:spPr>
           <a:xfrm>
-            <a:off x="1073019" y="2471449"/>
+            <a:off x="913223" y="1934177"/>
             <a:ext cx="10515600" cy="4176958"/>
           </a:xfrm>
           <a:prstGeom prst="rect">
@@ -3643,6 +3783,127 @@
           </a:prstGeom>
         </p:spPr>
       </p:pic>
+      <p:sp>
+        <p:nvSpPr>
+          <p:cNvPr id="4" name="文字方塊 3">
+            <a:extLst>
+              <a:ext uri="{FF2B5EF4-FFF2-40B4-BE49-F238E27FC236}">
+                <a16:creationId xmlns:a16="http://schemas.microsoft.com/office/drawing/2014/main" id="{FACEA43E-A147-4380-BFE5-B3A0B4607C2A}"/>
+              </a:ext>
+            </a:extLst>
+          </p:cNvPr>
+          <p:cNvSpPr txBox="1"/>
+          <p:nvPr/>
+        </p:nvSpPr>
+        <p:spPr>
+          <a:xfrm>
+            <a:off x="5477522" y="365125"/>
+            <a:ext cx="2610034" cy="2031325"/>
+          </a:xfrm>
+          <a:prstGeom prst="rect">
+            <a:avLst/>
+          </a:prstGeom>
+          <a:noFill/>
+        </p:spPr>
+        <p:txBody>
+          <a:bodyPr wrap="square" rtlCol="0">
+            <a:spAutoFit/>
+          </a:bodyPr>
+          <a:lstStyle/>
+          <a:p>
+            <a:r>
+              <a:rPr lang="zh-TW" altLang="en-US" dirty="0"/>
+              <a:t>細部說明</a:t>
+            </a:r>
+            <a:endParaRPr lang="en-US" altLang="zh-TW" dirty="0"/>
+          </a:p>
+          <a:p>
+            <a:pPr marL="285750" indent="-285750">
+              <a:buFontTx/>
+              <a:buChar char="-"/>
+            </a:pPr>
+            <a:r>
+              <a:rPr lang="zh-TW" altLang="en-US" dirty="0"/>
+              <a:t>約有</a:t>
+            </a:r>
+            <a:r>
+              <a:rPr lang="en-US" altLang="zh-TW" dirty="0"/>
+              <a:t>16</a:t>
+            </a:r>
+            <a:r>
+              <a:rPr lang="zh-TW" altLang="en-US" dirty="0"/>
+              <a:t>次地震</a:t>
+            </a:r>
+            <a:endParaRPr lang="en-US" altLang="zh-TW" dirty="0"/>
+          </a:p>
+          <a:p>
+            <a:pPr marL="285750" indent="-285750">
+              <a:buFontTx/>
+              <a:buChar char="-"/>
+            </a:pPr>
+            <a:r>
+              <a:rPr lang="zh-TW" altLang="en-US" dirty="0"/>
+              <a:t>訊號約六億筆</a:t>
+            </a:r>
+            <a:endParaRPr lang="en-US" altLang="zh-TW" dirty="0"/>
+          </a:p>
+          <a:p>
+            <a:pPr marL="285750" indent="-285750">
+              <a:buFontTx/>
+              <a:buChar char="-"/>
+            </a:pPr>
+            <a:r>
+              <a:rPr lang="zh-TW" altLang="en-US" dirty="0"/>
+              <a:t>採樣率為 </a:t>
+            </a:r>
+            <a:r>
+              <a:rPr lang="en-US" altLang="zh-TW" dirty="0"/>
+              <a:t>44k </a:t>
+            </a:r>
+            <a:r>
+              <a:rPr lang="en-US" altLang="zh-TW" dirty="0" err="1"/>
+              <a:t>hz</a:t>
+            </a:r>
+            <a:endParaRPr lang="en-US" altLang="zh-TW" dirty="0"/>
+          </a:p>
+          <a:p>
+            <a:pPr marL="285750" indent="-285750">
+              <a:buFontTx/>
+              <a:buChar char="-"/>
+            </a:pPr>
+            <a:r>
+              <a:rPr lang="zh-TW" altLang="en-US" dirty="0"/>
+              <a:t>會有一些假地震</a:t>
+            </a:r>
+            <a:r>
+              <a:rPr lang="en-US" altLang="zh-TW" dirty="0"/>
+              <a:t>(</a:t>
+            </a:r>
+            <a:r>
+              <a:rPr lang="zh-TW" altLang="en-US" dirty="0"/>
+              <a:t>訊號</a:t>
+            </a:r>
+            <a:r>
+              <a:rPr lang="en-US" altLang="zh-TW" dirty="0"/>
+              <a:t>)</a:t>
+            </a:r>
+          </a:p>
+          <a:p>
+            <a:pPr marL="285750" indent="-285750">
+              <a:buFontTx/>
+              <a:buChar char="-"/>
+            </a:pPr>
+            <a:endParaRPr lang="en-US" altLang="zh-TW" dirty="0"/>
+          </a:p>
+          <a:p>
+            <a:pPr marL="285750" indent="-285750">
+              <a:buFont typeface="Wingdings" panose="05000000000000000000" pitchFamily="2" charset="2"/>
+              <a:buChar char="u"/>
+            </a:pPr>
+            <a:endParaRPr lang="zh-TW" altLang="en-US" dirty="0"/>
+          </a:p>
+        </p:txBody>
+      </p:sp>
     </p:spTree>
     <p:extLst>
       <p:ext uri="{BB962C8B-B14F-4D97-AF65-F5344CB8AC3E}">
@@ -3678,7 +3939,7 @@
           <p:cNvPr id="2" name="標題 1">
             <a:extLst>
               <a:ext uri="{FF2B5EF4-FFF2-40B4-BE49-F238E27FC236}">
-                <a16:creationId xmlns:a16="http://schemas.microsoft.com/office/drawing/2014/main" id="{5EA93FCB-5F14-4495-8BD2-8DF0451A5D16}"/>
+                <a16:creationId xmlns:a16="http://schemas.microsoft.com/office/drawing/2014/main" id="{4BCB3CB5-8DE6-49F6-BD11-68AC43C60EE8}"/>
               </a:ext>
             </a:extLst>
           </p:cNvPr>
@@ -3687,40 +3948,12 @@
           </p:cNvSpPr>
           <p:nvPr>
             <p:ph type="title"/>
-          </p:nvPr>
-        </p:nvSpPr>
-        <p:spPr/>
-        <p:txBody>
-          <a:bodyPr/>
-          <a:lstStyle/>
-          <a:p>
-            <a:r>
-              <a:rPr lang="zh-TW" altLang="en-US" dirty="0"/>
-              <a:t>目標</a:t>
-            </a:r>
-          </a:p>
-        </p:txBody>
-      </p:sp>
-      <p:sp>
-        <p:nvSpPr>
-          <p:cNvPr id="3" name="內容版面配置區 2">
-            <a:extLst>
-              <a:ext uri="{FF2B5EF4-FFF2-40B4-BE49-F238E27FC236}">
-                <a16:creationId xmlns:a16="http://schemas.microsoft.com/office/drawing/2014/main" id="{2A86E14A-9552-4DD3-A592-15FFFD0F46E2}"/>
-              </a:ext>
-            </a:extLst>
-          </p:cNvPr>
-          <p:cNvSpPr>
-            <a:spLocks noGrp="1"/>
-          </p:cNvSpPr>
-          <p:nvPr>
-            <p:ph idx="1"/>
           </p:nvPr>
         </p:nvSpPr>
         <p:spPr>
           <a:xfrm>
-            <a:off x="838200" y="1825625"/>
-            <a:ext cx="8801746" cy="4351338"/>
+            <a:off x="838200" y="365125"/>
+            <a:ext cx="4014002" cy="1325563"/>
           </a:xfrm>
         </p:spPr>
         <p:txBody>
@@ -3729,62 +3962,602 @@
           <a:p>
             <a:r>
               <a:rPr lang="zh-TW" altLang="en-US" dirty="0"/>
-              <a:t>測試集給定</a:t>
-            </a:r>
+              <a:t>訓練資料概況</a:t>
+            </a:r>
+          </a:p>
+        </p:txBody>
+      </p:sp>
+      <p:pic>
+        <p:nvPicPr>
+          <p:cNvPr id="9" name="圖片 8" descr="一張含有 物件, 坐, 白色, 船 的圖片&#10;&#10;自動產生的描述">
+            <a:extLst>
+              <a:ext uri="{FF2B5EF4-FFF2-40B4-BE49-F238E27FC236}">
+                <a16:creationId xmlns:a16="http://schemas.microsoft.com/office/drawing/2014/main" id="{9C4BB19B-6473-4349-8B88-FC5D241DEE1F}"/>
+              </a:ext>
+            </a:extLst>
+          </p:cNvPr>
+          <p:cNvPicPr>
+            <a:picLocks noChangeAspect="1"/>
+          </p:cNvPicPr>
+          <p:nvPr/>
+        </p:nvPicPr>
+        <p:blipFill>
+          <a:blip r:embed="rId2">
+            <a:extLst>
+              <a:ext uri="{28A0092B-C50C-407E-A947-70E740481C1C}">
+                <a14:useLocalDpi xmlns:a14="http://schemas.microsoft.com/office/drawing/2010/main" val="0"/>
+              </a:ext>
+            </a:extLst>
+          </a:blip>
+          <a:stretch>
+            <a:fillRect/>
+          </a:stretch>
+        </p:blipFill>
+        <p:spPr>
+          <a:xfrm>
+            <a:off x="913223" y="1934177"/>
+            <a:ext cx="10515600" cy="4176958"/>
+          </a:xfrm>
+          <a:prstGeom prst="rect">
+            <a:avLst/>
+          </a:prstGeom>
+        </p:spPr>
+      </p:pic>
+      <p:cxnSp>
+        <p:nvCxnSpPr>
+          <p:cNvPr id="7" name="直線單箭頭接點 6">
+            <a:extLst>
+              <a:ext uri="{FF2B5EF4-FFF2-40B4-BE49-F238E27FC236}">
+                <a16:creationId xmlns:a16="http://schemas.microsoft.com/office/drawing/2014/main" id="{0C17065C-9063-4F98-8F93-9E82415B1632}"/>
+              </a:ext>
+            </a:extLst>
+          </p:cNvPr>
+          <p:cNvCxnSpPr>
+            <a:cxnSpLocks/>
+          </p:cNvCxnSpPr>
+          <p:nvPr/>
+        </p:nvCxnSpPr>
+        <p:spPr>
+          <a:xfrm flipH="1">
+            <a:off x="5378093" y="1690688"/>
+            <a:ext cx="163773" cy="856365"/>
+          </a:xfrm>
+          <a:prstGeom prst="straightConnector1">
+            <a:avLst/>
+          </a:prstGeom>
+          <a:ln w="28575">
+            <a:solidFill>
+              <a:schemeClr val="accent5">
+                <a:lumMod val="75000"/>
+              </a:schemeClr>
+            </a:solidFill>
+            <a:tailEnd type="triangle"/>
+          </a:ln>
+        </p:spPr>
+        <p:style>
+          <a:lnRef idx="1">
+            <a:schemeClr val="accent1"/>
+          </a:lnRef>
+          <a:fillRef idx="0">
+            <a:schemeClr val="accent1"/>
+          </a:fillRef>
+          <a:effectRef idx="0">
+            <a:schemeClr val="accent1"/>
+          </a:effectRef>
+          <a:fontRef idx="minor">
+            <a:schemeClr val="tx1"/>
+          </a:fontRef>
+        </p:style>
+      </p:cxnSp>
+      <p:cxnSp>
+        <p:nvCxnSpPr>
+          <p:cNvPr id="10" name="直線單箭頭接點 9">
+            <a:extLst>
+              <a:ext uri="{FF2B5EF4-FFF2-40B4-BE49-F238E27FC236}">
+                <a16:creationId xmlns:a16="http://schemas.microsoft.com/office/drawing/2014/main" id="{E7CBACC8-0734-4BBA-80B7-0EA86CF732DD}"/>
+              </a:ext>
+            </a:extLst>
+          </p:cNvPr>
+          <p:cNvCxnSpPr>
+            <a:cxnSpLocks/>
+          </p:cNvCxnSpPr>
+          <p:nvPr/>
+        </p:nvCxnSpPr>
+        <p:spPr>
+          <a:xfrm flipH="1">
+            <a:off x="4550418" y="1665622"/>
+            <a:ext cx="941106" cy="1493699"/>
+          </a:xfrm>
+          <a:prstGeom prst="straightConnector1">
+            <a:avLst/>
+          </a:prstGeom>
+          <a:ln w="28575">
+            <a:solidFill>
+              <a:schemeClr val="accent5">
+                <a:lumMod val="75000"/>
+              </a:schemeClr>
+            </a:solidFill>
+            <a:tailEnd type="triangle"/>
+          </a:ln>
+        </p:spPr>
+        <p:style>
+          <a:lnRef idx="1">
+            <a:schemeClr val="accent1"/>
+          </a:lnRef>
+          <a:fillRef idx="0">
+            <a:schemeClr val="accent1"/>
+          </a:fillRef>
+          <a:effectRef idx="0">
+            <a:schemeClr val="accent1"/>
+          </a:effectRef>
+          <a:fontRef idx="minor">
+            <a:schemeClr val="tx1"/>
+          </a:fontRef>
+        </p:style>
+      </p:cxnSp>
+      <p:sp>
+        <p:nvSpPr>
+          <p:cNvPr id="8" name="矩形: 圓角 7">
+            <a:extLst>
+              <a:ext uri="{FF2B5EF4-FFF2-40B4-BE49-F238E27FC236}">
+                <a16:creationId xmlns:a16="http://schemas.microsoft.com/office/drawing/2014/main" id="{B430FD36-2989-48EC-9B58-3B1A7BFE7264}"/>
+              </a:ext>
+            </a:extLst>
+          </p:cNvPr>
+          <p:cNvSpPr/>
+          <p:nvPr/>
+        </p:nvSpPr>
+        <p:spPr>
+          <a:xfrm>
+            <a:off x="5378092" y="541512"/>
+            <a:ext cx="2610034" cy="1124110"/>
+          </a:xfrm>
+          <a:prstGeom prst="roundRect">
+            <a:avLst/>
+          </a:prstGeom>
+        </p:spPr>
+        <p:style>
+          <a:lnRef idx="2">
+            <a:schemeClr val="accent1">
+              <a:shade val="50000"/>
+            </a:schemeClr>
+          </a:lnRef>
+          <a:fillRef idx="1">
+            <a:schemeClr val="accent1"/>
+          </a:fillRef>
+          <a:effectRef idx="0">
+            <a:schemeClr val="accent1"/>
+          </a:effectRef>
+          <a:fontRef idx="minor">
+            <a:schemeClr val="lt1"/>
+          </a:fontRef>
+        </p:style>
+        <p:txBody>
+          <a:bodyPr rtlCol="0" anchor="ctr"/>
+          <a:lstStyle/>
+          <a:p>
+            <a:pPr algn="ctr"/>
+            <a:r>
+              <a:rPr lang="zh-TW" altLang="en-US" dirty="0"/>
+              <a:t>地震來臨時</a:t>
+            </a:r>
+            <a:endParaRPr lang="en-US" altLang="zh-TW" dirty="0"/>
+          </a:p>
+          <a:p>
+            <a:pPr algn="ctr"/>
             <a:r>
               <a:rPr lang="en-US" altLang="zh-TW" dirty="0"/>
-              <a:t> 2624 </a:t>
+              <a:t>(</a:t>
             </a:r>
             <a:r>
               <a:rPr lang="zh-TW" altLang="en-US" dirty="0"/>
-              <a:t>個地震波段</a:t>
+              <a:t>剩餘時間為</a:t>
+            </a:r>
+            <a:r>
+              <a:rPr lang="en-US" altLang="zh-TW" dirty="0"/>
+              <a:t>0)</a:t>
+            </a:r>
+            <a:r>
+              <a:rPr lang="zh-TW" altLang="en-US" dirty="0"/>
+              <a:t>，</a:t>
             </a:r>
             <a:endParaRPr lang="en-US" altLang="zh-TW" dirty="0"/>
           </a:p>
           <a:p>
+            <a:pPr algn="ctr"/>
+            <a:r>
+              <a:rPr lang="zh-TW" altLang="en-US" dirty="0"/>
+              <a:t>信號起伏明顯</a:t>
+            </a:r>
             <a:endParaRPr lang="en-US" altLang="zh-TW" dirty="0"/>
           </a:p>
-          <a:p>
+        </p:txBody>
+      </p:sp>
+      <p:sp>
+        <p:nvSpPr>
+          <p:cNvPr id="12" name="矩形: 圓角 11">
+            <a:extLst>
+              <a:ext uri="{FF2B5EF4-FFF2-40B4-BE49-F238E27FC236}">
+                <a16:creationId xmlns:a16="http://schemas.microsoft.com/office/drawing/2014/main" id="{17D1BA63-7A04-4AE5-AAAB-AFF4143DBA82}"/>
+              </a:ext>
+            </a:extLst>
+          </p:cNvPr>
+          <p:cNvSpPr/>
+          <p:nvPr/>
+        </p:nvSpPr>
+        <p:spPr>
+          <a:xfrm>
+            <a:off x="8824404" y="541511"/>
+            <a:ext cx="2254928" cy="1417731"/>
+          </a:xfrm>
+          <a:prstGeom prst="roundRect">
+            <a:avLst/>
+          </a:prstGeom>
+          <a:solidFill>
+            <a:schemeClr val="accent6"/>
+          </a:solidFill>
+        </p:spPr>
+        <p:style>
+          <a:lnRef idx="2">
+            <a:schemeClr val="accent1">
+              <a:shade val="50000"/>
+            </a:schemeClr>
+          </a:lnRef>
+          <a:fillRef idx="1">
+            <a:schemeClr val="accent1"/>
+          </a:fillRef>
+          <a:effectRef idx="0">
+            <a:schemeClr val="accent1"/>
+          </a:effectRef>
+          <a:fontRef idx="minor">
+            <a:schemeClr val="lt1"/>
+          </a:fontRef>
+        </p:style>
+        <p:txBody>
+          <a:bodyPr rtlCol="0" anchor="ctr"/>
+          <a:lstStyle/>
+          <a:p>
+            <a:pPr algn="ctr"/>
             <a:r>
               <a:rPr lang="zh-TW" altLang="en-US" dirty="0"/>
-              <a:t>每個波段約 </a:t>
-            </a:r>
+              <a:t>假地震</a:t>
+            </a:r>
+            <a:endParaRPr lang="en-US" altLang="zh-TW" dirty="0"/>
+          </a:p>
+          <a:p>
+            <a:pPr algn="ctr"/>
             <a:r>
               <a:rPr lang="en-US" altLang="zh-TW" dirty="0"/>
-              <a:t>15</a:t>
+              <a:t>(</a:t>
             </a:r>
             <a:r>
               <a:rPr lang="zh-TW" altLang="en-US" dirty="0"/>
-              <a:t> 萬筆聲波數據</a:t>
-            </a:r>
-            <a:r>
-              <a:rPr lang="en-US" altLang="zh-TW" dirty="0"/>
-              <a:t>(0.0375</a:t>
-            </a:r>
-            <a:r>
-              <a:rPr lang="zh-TW" altLang="en-US" dirty="0"/>
-              <a:t>秒內</a:t>
+              <a:t>信號起伏大，但是無地震</a:t>
             </a:r>
             <a:r>
               <a:rPr lang="en-US" altLang="zh-TW" dirty="0"/>
               <a:t>)</a:t>
             </a:r>
-          </a:p>
-          <a:p>
+            <a:r>
+              <a:rPr lang="zh-TW" altLang="en-US" dirty="0"/>
+              <a:t>可能會影響模型判斷</a:t>
+            </a:r>
             <a:endParaRPr lang="en-US" altLang="zh-TW" dirty="0"/>
           </a:p>
-          <a:p>
-            <a:r>
-              <a:rPr lang="zh-TW" altLang="en-US" dirty="0"/>
-              <a:t>預測地震剩幾秒來襲</a:t>
-            </a:r>
+        </p:txBody>
+      </p:sp>
+      <p:cxnSp>
+        <p:nvCxnSpPr>
+          <p:cNvPr id="14" name="直線單箭頭接點 13">
+            <a:extLst>
+              <a:ext uri="{FF2B5EF4-FFF2-40B4-BE49-F238E27FC236}">
+                <a16:creationId xmlns:a16="http://schemas.microsoft.com/office/drawing/2014/main" id="{E9A1155D-F213-46C3-A0F5-8FCC894C47E9}"/>
+              </a:ext>
+            </a:extLst>
+          </p:cNvPr>
+          <p:cNvCxnSpPr/>
+          <p:nvPr/>
+        </p:nvCxnSpPr>
+        <p:spPr>
+          <a:xfrm flipH="1">
+            <a:off x="9747682" y="1959242"/>
+            <a:ext cx="213064" cy="1200079"/>
+          </a:xfrm>
+          <a:prstGeom prst="straightConnector1">
+            <a:avLst/>
+          </a:prstGeom>
+          <a:ln w="28575">
+            <a:solidFill>
+              <a:schemeClr val="accent6">
+                <a:lumMod val="75000"/>
+              </a:schemeClr>
+            </a:solidFill>
+            <a:tailEnd type="triangle"/>
+          </a:ln>
+        </p:spPr>
+        <p:style>
+          <a:lnRef idx="1">
+            <a:schemeClr val="accent1"/>
+          </a:lnRef>
+          <a:fillRef idx="0">
+            <a:schemeClr val="accent1"/>
+          </a:fillRef>
+          <a:effectRef idx="0">
+            <a:schemeClr val="accent1"/>
+          </a:effectRef>
+          <a:fontRef idx="minor">
+            <a:schemeClr val="tx1"/>
+          </a:fontRef>
+        </p:style>
+      </p:cxnSp>
+      <p:cxnSp>
+        <p:nvCxnSpPr>
+          <p:cNvPr id="16" name="直線單箭頭接點 15">
+            <a:extLst>
+              <a:ext uri="{FF2B5EF4-FFF2-40B4-BE49-F238E27FC236}">
+                <a16:creationId xmlns:a16="http://schemas.microsoft.com/office/drawing/2014/main" id="{E252F896-9714-4B25-BE3D-DC4895551BEC}"/>
+              </a:ext>
+            </a:extLst>
+          </p:cNvPr>
+          <p:cNvCxnSpPr/>
+          <p:nvPr/>
+        </p:nvCxnSpPr>
+        <p:spPr>
+          <a:xfrm>
+            <a:off x="9987379" y="1959242"/>
+            <a:ext cx="355106" cy="961511"/>
+          </a:xfrm>
+          <a:prstGeom prst="straightConnector1">
+            <a:avLst/>
+          </a:prstGeom>
+          <a:ln w="28575">
+            <a:solidFill>
+              <a:schemeClr val="accent6">
+                <a:lumMod val="75000"/>
+              </a:schemeClr>
+            </a:solidFill>
+            <a:tailEnd type="triangle"/>
+          </a:ln>
+        </p:spPr>
+        <p:style>
+          <a:lnRef idx="1">
+            <a:schemeClr val="accent1"/>
+          </a:lnRef>
+          <a:fillRef idx="0">
+            <a:schemeClr val="accent1"/>
+          </a:fillRef>
+          <a:effectRef idx="0">
+            <a:schemeClr val="accent1"/>
+          </a:effectRef>
+          <a:fontRef idx="minor">
+            <a:schemeClr val="tx1"/>
+          </a:fontRef>
+        </p:style>
+      </p:cxnSp>
+      <p:sp>
+        <p:nvSpPr>
+          <p:cNvPr id="17" name="橢圓 16">
+            <a:extLst>
+              <a:ext uri="{FF2B5EF4-FFF2-40B4-BE49-F238E27FC236}">
+                <a16:creationId xmlns:a16="http://schemas.microsoft.com/office/drawing/2014/main" id="{04BAAD10-DE93-407E-9437-CEB041AC65AC}"/>
+              </a:ext>
+            </a:extLst>
+          </p:cNvPr>
+          <p:cNvSpPr/>
+          <p:nvPr/>
+        </p:nvSpPr>
+        <p:spPr>
+          <a:xfrm>
+            <a:off x="9481351" y="3159321"/>
+            <a:ext cx="372863" cy="1200079"/>
+          </a:xfrm>
+          <a:prstGeom prst="ellipse">
+            <a:avLst/>
+          </a:prstGeom>
+          <a:noFill/>
+          <a:ln w="19050">
+            <a:solidFill>
+              <a:schemeClr val="tx1">
+                <a:lumMod val="75000"/>
+                <a:lumOff val="25000"/>
+              </a:schemeClr>
+            </a:solidFill>
+          </a:ln>
+        </p:spPr>
+        <p:style>
+          <a:lnRef idx="2">
+            <a:schemeClr val="accent1">
+              <a:shade val="50000"/>
+            </a:schemeClr>
+          </a:lnRef>
+          <a:fillRef idx="1">
+            <a:schemeClr val="accent1"/>
+          </a:fillRef>
+          <a:effectRef idx="0">
+            <a:schemeClr val="accent1"/>
+          </a:effectRef>
+          <a:fontRef idx="minor">
+            <a:schemeClr val="lt1"/>
+          </a:fontRef>
+        </p:style>
+        <p:txBody>
+          <a:bodyPr rtlCol="0" anchor="ctr"/>
+          <a:lstStyle/>
+          <a:p>
+            <a:pPr algn="ctr"/>
+            <a:endParaRPr lang="zh-TW" altLang="en-US"/>
+          </a:p>
+        </p:txBody>
+      </p:sp>
+      <p:sp>
+        <p:nvSpPr>
+          <p:cNvPr id="18" name="橢圓 17">
+            <a:extLst>
+              <a:ext uri="{FF2B5EF4-FFF2-40B4-BE49-F238E27FC236}">
+                <a16:creationId xmlns:a16="http://schemas.microsoft.com/office/drawing/2014/main" id="{25DCE811-A946-499E-8D6C-194445224513}"/>
+              </a:ext>
+            </a:extLst>
+          </p:cNvPr>
+          <p:cNvSpPr/>
+          <p:nvPr/>
+        </p:nvSpPr>
+        <p:spPr>
+          <a:xfrm>
+            <a:off x="10156054" y="2651109"/>
+            <a:ext cx="355106" cy="2622227"/>
+          </a:xfrm>
+          <a:prstGeom prst="ellipse">
+            <a:avLst/>
+          </a:prstGeom>
+          <a:noFill/>
+          <a:ln w="19050">
+            <a:solidFill>
+              <a:schemeClr val="tx1">
+                <a:lumMod val="75000"/>
+                <a:lumOff val="25000"/>
+              </a:schemeClr>
+            </a:solidFill>
+          </a:ln>
+        </p:spPr>
+        <p:style>
+          <a:lnRef idx="2">
+            <a:schemeClr val="accent1">
+              <a:shade val="50000"/>
+            </a:schemeClr>
+          </a:lnRef>
+          <a:fillRef idx="1">
+            <a:schemeClr val="accent1"/>
+          </a:fillRef>
+          <a:effectRef idx="0">
+            <a:schemeClr val="accent1"/>
+          </a:effectRef>
+          <a:fontRef idx="minor">
+            <a:schemeClr val="lt1"/>
+          </a:fontRef>
+        </p:style>
+        <p:txBody>
+          <a:bodyPr rtlCol="0" anchor="ctr"/>
+          <a:lstStyle/>
+          <a:p>
+            <a:pPr algn="ctr"/>
+            <a:endParaRPr lang="zh-TW" altLang="en-US"/>
+          </a:p>
+        </p:txBody>
+      </p:sp>
+      <p:sp>
+        <p:nvSpPr>
+          <p:cNvPr id="22" name="橢圓 21">
+            <a:extLst>
+              <a:ext uri="{FF2B5EF4-FFF2-40B4-BE49-F238E27FC236}">
+                <a16:creationId xmlns:a16="http://schemas.microsoft.com/office/drawing/2014/main" id="{FEAF89BB-9FBD-441F-89CF-63CBEB4E2561}"/>
+              </a:ext>
+            </a:extLst>
+          </p:cNvPr>
+          <p:cNvSpPr/>
+          <p:nvPr/>
+        </p:nvSpPr>
+        <p:spPr>
+          <a:xfrm>
+            <a:off x="5107324" y="2320713"/>
+            <a:ext cx="372863" cy="2846599"/>
+          </a:xfrm>
+          <a:prstGeom prst="ellipse">
+            <a:avLst/>
+          </a:prstGeom>
+          <a:noFill/>
+          <a:ln w="19050">
+            <a:solidFill>
+              <a:schemeClr val="tx1">
+                <a:lumMod val="75000"/>
+                <a:lumOff val="25000"/>
+              </a:schemeClr>
+            </a:solidFill>
+          </a:ln>
+        </p:spPr>
+        <p:style>
+          <a:lnRef idx="2">
+            <a:schemeClr val="accent1">
+              <a:shade val="50000"/>
+            </a:schemeClr>
+          </a:lnRef>
+          <a:fillRef idx="1">
+            <a:schemeClr val="accent1"/>
+          </a:fillRef>
+          <a:effectRef idx="0">
+            <a:schemeClr val="accent1"/>
+          </a:effectRef>
+          <a:fontRef idx="minor">
+            <a:schemeClr val="lt1"/>
+          </a:fontRef>
+        </p:style>
+        <p:txBody>
+          <a:bodyPr rtlCol="0" anchor="ctr"/>
+          <a:lstStyle/>
+          <a:p>
+            <a:pPr algn="ctr"/>
+            <a:endParaRPr lang="zh-TW" altLang="en-US"/>
+          </a:p>
+        </p:txBody>
+      </p:sp>
+      <p:sp>
+        <p:nvSpPr>
+          <p:cNvPr id="23" name="橢圓 22">
+            <a:extLst>
+              <a:ext uri="{FF2B5EF4-FFF2-40B4-BE49-F238E27FC236}">
+                <a16:creationId xmlns:a16="http://schemas.microsoft.com/office/drawing/2014/main" id="{9D299D90-6E10-4BCB-9F37-FDB3E356655D}"/>
+              </a:ext>
+            </a:extLst>
+          </p:cNvPr>
+          <p:cNvSpPr/>
+          <p:nvPr/>
+        </p:nvSpPr>
+        <p:spPr>
+          <a:xfrm>
+            <a:off x="4257453" y="2936100"/>
+            <a:ext cx="372863" cy="2846599"/>
+          </a:xfrm>
+          <a:prstGeom prst="ellipse">
+            <a:avLst/>
+          </a:prstGeom>
+          <a:noFill/>
+          <a:ln w="19050">
+            <a:solidFill>
+              <a:schemeClr val="tx1">
+                <a:lumMod val="75000"/>
+                <a:lumOff val="25000"/>
+              </a:schemeClr>
+            </a:solidFill>
+          </a:ln>
+        </p:spPr>
+        <p:style>
+          <a:lnRef idx="2">
+            <a:schemeClr val="accent1">
+              <a:shade val="50000"/>
+            </a:schemeClr>
+          </a:lnRef>
+          <a:fillRef idx="1">
+            <a:schemeClr val="accent1"/>
+          </a:fillRef>
+          <a:effectRef idx="0">
+            <a:schemeClr val="accent1"/>
+          </a:effectRef>
+          <a:fontRef idx="minor">
+            <a:schemeClr val="lt1"/>
+          </a:fontRef>
+        </p:style>
+        <p:txBody>
+          <a:bodyPr rtlCol="0" anchor="ctr"/>
+          <a:lstStyle/>
+          <a:p>
+            <a:pPr algn="ctr"/>
+            <a:endParaRPr lang="zh-TW" altLang="en-US"/>
           </a:p>
         </p:txBody>
       </p:sp>
     </p:spTree>
     <p:extLst>
       <p:ext uri="{BB962C8B-B14F-4D97-AF65-F5344CB8AC3E}">
-        <p14:creationId xmlns:p14="http://schemas.microsoft.com/office/powerpoint/2010/main" val="3288095713"/>
+        <p14:creationId xmlns:p14="http://schemas.microsoft.com/office/powerpoint/2010/main" val="3588113824"/>
       </p:ext>
     </p:extLst>
   </p:cSld>
@@ -3816,7 +4589,702 @@
           <p:cNvPr id="2" name="標題 1">
             <a:extLst>
               <a:ext uri="{FF2B5EF4-FFF2-40B4-BE49-F238E27FC236}">
-                <a16:creationId xmlns:a16="http://schemas.microsoft.com/office/drawing/2014/main" id="{06BC3908-8DA1-4128-BA3D-90DF94EBF6A3}"/>
+                <a16:creationId xmlns:a16="http://schemas.microsoft.com/office/drawing/2014/main" id="{5EA93FCB-5F14-4495-8BD2-8DF0451A5D16}"/>
+              </a:ext>
+            </a:extLst>
+          </p:cNvPr>
+          <p:cNvSpPr>
+            <a:spLocks noGrp="1"/>
+          </p:cNvSpPr>
+          <p:nvPr>
+            <p:ph type="title"/>
+          </p:nvPr>
+        </p:nvSpPr>
+        <p:spPr/>
+        <p:txBody>
+          <a:bodyPr/>
+          <a:lstStyle/>
+          <a:p>
+            <a:r>
+              <a:rPr lang="zh-TW" altLang="en-US"/>
+              <a:t>目標</a:t>
+            </a:r>
+            <a:endParaRPr lang="zh-TW" altLang="en-US" dirty="0"/>
+          </a:p>
+        </p:txBody>
+      </p:sp>
+      <p:sp>
+        <p:nvSpPr>
+          <p:cNvPr id="3" name="內容版面配置區 2">
+            <a:extLst>
+              <a:ext uri="{FF2B5EF4-FFF2-40B4-BE49-F238E27FC236}">
+                <a16:creationId xmlns:a16="http://schemas.microsoft.com/office/drawing/2014/main" id="{2A86E14A-9552-4DD3-A592-15FFFD0F46E2}"/>
+              </a:ext>
+            </a:extLst>
+          </p:cNvPr>
+          <p:cNvSpPr>
+            <a:spLocks noGrp="1"/>
+          </p:cNvSpPr>
+          <p:nvPr>
+            <p:ph idx="1"/>
+          </p:nvPr>
+        </p:nvSpPr>
+        <p:spPr>
+          <a:xfrm>
+            <a:off x="838201" y="1690689"/>
+            <a:ext cx="5257800" cy="1325563"/>
+          </a:xfrm>
+        </p:spPr>
+        <p:txBody>
+          <a:bodyPr>
+            <a:normAutofit/>
+          </a:bodyPr>
+          <a:lstStyle/>
+          <a:p>
+            <a:r>
+              <a:rPr lang="zh-TW" altLang="en-US" sz="2000" dirty="0"/>
+              <a:t>測試集給定</a:t>
+            </a:r>
+            <a:r>
+              <a:rPr lang="en-US" altLang="zh-TW" sz="2000" dirty="0"/>
+              <a:t> 2,624 </a:t>
+            </a:r>
+            <a:r>
+              <a:rPr lang="zh-TW" altLang="en-US" sz="2000" dirty="0"/>
+              <a:t>個地震波段</a:t>
+            </a:r>
+            <a:endParaRPr lang="en-US" altLang="zh-TW" sz="2000" dirty="0"/>
+          </a:p>
+          <a:p>
+            <a:r>
+              <a:rPr lang="zh-TW" altLang="en-US" sz="2000" dirty="0"/>
+              <a:t>每個波段有</a:t>
+            </a:r>
+            <a:r>
+              <a:rPr lang="en-US" altLang="zh-TW" sz="2000" dirty="0"/>
+              <a:t>15,000</a:t>
+            </a:r>
+            <a:r>
+              <a:rPr lang="zh-TW" altLang="en-US" sz="2000" dirty="0"/>
+              <a:t>筆聲波數據</a:t>
+            </a:r>
+            <a:r>
+              <a:rPr lang="en-US" altLang="zh-TW" sz="2000" dirty="0"/>
+              <a:t>(0.0375</a:t>
+            </a:r>
+            <a:r>
+              <a:rPr lang="zh-TW" altLang="en-US" sz="2000" dirty="0"/>
+              <a:t>秒內</a:t>
+            </a:r>
+            <a:r>
+              <a:rPr lang="en-US" altLang="zh-TW" sz="2000" dirty="0"/>
+              <a:t>)</a:t>
+            </a:r>
+          </a:p>
+          <a:p>
+            <a:r>
+              <a:rPr lang="zh-TW" altLang="en-US" sz="2000" dirty="0"/>
+              <a:t>預測地震剩幾秒來襲</a:t>
+            </a:r>
+          </a:p>
+        </p:txBody>
+      </p:sp>
+      <p:pic>
+        <p:nvPicPr>
+          <p:cNvPr id="5" name="圖片 4" descr="一張含有 室內, 監視器, 坐, 螢幕 的圖片&#10;&#10;自動產生的描述">
+            <a:extLst>
+              <a:ext uri="{FF2B5EF4-FFF2-40B4-BE49-F238E27FC236}">
+                <a16:creationId xmlns:a16="http://schemas.microsoft.com/office/drawing/2014/main" id="{1D100181-13EB-46FA-913F-D4F97475EDDB}"/>
+              </a:ext>
+            </a:extLst>
+          </p:cNvPr>
+          <p:cNvPicPr>
+            <a:picLocks noChangeAspect="1"/>
+          </p:cNvPicPr>
+          <p:nvPr/>
+        </p:nvPicPr>
+        <p:blipFill>
+          <a:blip r:embed="rId2">
+            <a:extLst>
+              <a:ext uri="{28A0092B-C50C-407E-A947-70E740481C1C}">
+                <a14:useLocalDpi xmlns:a14="http://schemas.microsoft.com/office/drawing/2010/main" val="0"/>
+              </a:ext>
+            </a:extLst>
+          </a:blip>
+          <a:stretch>
+            <a:fillRect/>
+          </a:stretch>
+        </p:blipFill>
+        <p:spPr>
+          <a:xfrm>
+            <a:off x="7803400" y="971833"/>
+            <a:ext cx="2592946" cy="4914334"/>
+          </a:xfrm>
+          <a:prstGeom prst="rect">
+            <a:avLst/>
+          </a:prstGeom>
+        </p:spPr>
+      </p:pic>
+      <p:graphicFrame>
+        <p:nvGraphicFramePr>
+          <p:cNvPr id="8" name="表格 8">
+            <a:extLst>
+              <a:ext uri="{FF2B5EF4-FFF2-40B4-BE49-F238E27FC236}">
+                <a16:creationId xmlns:a16="http://schemas.microsoft.com/office/drawing/2014/main" id="{2F6CCAC8-056F-4673-B060-8436C5B951CA}"/>
+              </a:ext>
+            </a:extLst>
+          </p:cNvPr>
+          <p:cNvGraphicFramePr>
+            <a:graphicFrameLocks noGrp="1"/>
+          </p:cNvGraphicFramePr>
+          <p:nvPr>
+            <p:extLst>
+              <p:ext uri="{D42A27DB-BD31-4B8C-83A1-F6EECF244321}">
+                <p14:modId xmlns:p14="http://schemas.microsoft.com/office/powerpoint/2010/main" val="983412549"/>
+              </p:ext>
+            </p:extLst>
+          </p:nvPr>
+        </p:nvGraphicFramePr>
+        <p:xfrm>
+          <a:off x="10560683" y="1293920"/>
+          <a:ext cx="1750572" cy="4714044"/>
+        </p:xfrm>
+        <a:graphic>
+          <a:graphicData uri="http://schemas.openxmlformats.org/drawingml/2006/table">
+            <a:tbl>
+              <a:tblPr firstRow="1" bandRow="1">
+                <a:tableStyleId>{2D5ABB26-0587-4C30-8999-92F81FD0307C}</a:tableStyleId>
+              </a:tblPr>
+              <a:tblGrid>
+                <a:gridCol w="1750572">
+                  <a:extLst>
+                    <a:ext uri="{9D8B030D-6E8A-4147-A177-3AD203B41FA5}">
+                      <a16:colId xmlns:a16="http://schemas.microsoft.com/office/drawing/2014/main" val="781295494"/>
+                    </a:ext>
+                  </a:extLst>
+                </a:gridCol>
+              </a:tblGrid>
+              <a:tr h="785674">
+                <a:tc>
+                  <a:txBody>
+                    <a:bodyPr/>
+                    <a:lstStyle/>
+                    <a:p>
+                      <a:r>
+                        <a:rPr lang="en-US" altLang="zh-TW" dirty="0"/>
+                        <a:t>3.10</a:t>
+                      </a:r>
+                      <a:endParaRPr lang="zh-TW" altLang="en-US" dirty="0"/>
+                    </a:p>
+                  </a:txBody>
+                  <a:tcPr/>
+                </a:tc>
+                <a:extLst>
+                  <a:ext uri="{0D108BD9-81ED-4DB2-BD59-A6C34878D82A}">
+                    <a16:rowId xmlns:a16="http://schemas.microsoft.com/office/drawing/2014/main" val="3698283064"/>
+                  </a:ext>
+                </a:extLst>
+              </a:tr>
+              <a:tr h="785674">
+                <a:tc>
+                  <a:txBody>
+                    <a:bodyPr/>
+                    <a:lstStyle/>
+                    <a:p>
+                      <a:r>
+                        <a:rPr lang="en-US" altLang="zh-TW" dirty="0"/>
+                        <a:t>4.71</a:t>
+                      </a:r>
+                      <a:endParaRPr lang="zh-TW" altLang="en-US" dirty="0"/>
+                    </a:p>
+                  </a:txBody>
+                  <a:tcPr/>
+                </a:tc>
+                <a:extLst>
+                  <a:ext uri="{0D108BD9-81ED-4DB2-BD59-A6C34878D82A}">
+                    <a16:rowId xmlns:a16="http://schemas.microsoft.com/office/drawing/2014/main" val="3522003344"/>
+                  </a:ext>
+                </a:extLst>
+              </a:tr>
+              <a:tr h="785674">
+                <a:tc>
+                  <a:txBody>
+                    <a:bodyPr/>
+                    <a:lstStyle/>
+                    <a:p>
+                      <a:r>
+                        <a:rPr lang="en-US" altLang="zh-TW" dirty="0"/>
+                        <a:t>5.17</a:t>
+                      </a:r>
+                      <a:endParaRPr lang="zh-TW" altLang="en-US" dirty="0"/>
+                    </a:p>
+                  </a:txBody>
+                  <a:tcPr/>
+                </a:tc>
+                <a:extLst>
+                  <a:ext uri="{0D108BD9-81ED-4DB2-BD59-A6C34878D82A}">
+                    <a16:rowId xmlns:a16="http://schemas.microsoft.com/office/drawing/2014/main" val="1220550130"/>
+                  </a:ext>
+                </a:extLst>
+              </a:tr>
+              <a:tr h="785674">
+                <a:tc>
+                  <a:txBody>
+                    <a:bodyPr/>
+                    <a:lstStyle/>
+                    <a:p>
+                      <a:r>
+                        <a:rPr lang="en-US" altLang="zh-TW" dirty="0"/>
+                        <a:t>8.18</a:t>
+                      </a:r>
+                      <a:endParaRPr lang="zh-TW" altLang="en-US" dirty="0"/>
+                    </a:p>
+                  </a:txBody>
+                  <a:tcPr/>
+                </a:tc>
+                <a:extLst>
+                  <a:ext uri="{0D108BD9-81ED-4DB2-BD59-A6C34878D82A}">
+                    <a16:rowId xmlns:a16="http://schemas.microsoft.com/office/drawing/2014/main" val="2885256524"/>
+                  </a:ext>
+                </a:extLst>
+              </a:tr>
+              <a:tr h="785674">
+                <a:tc>
+                  <a:txBody>
+                    <a:bodyPr/>
+                    <a:lstStyle/>
+                    <a:p>
+                      <a:r>
+                        <a:rPr lang="en-US" altLang="zh-TW" dirty="0"/>
+                        <a:t>6.90</a:t>
+                      </a:r>
+                      <a:endParaRPr lang="zh-TW" altLang="en-US" dirty="0"/>
+                    </a:p>
+                  </a:txBody>
+                  <a:tcPr/>
+                </a:tc>
+                <a:extLst>
+                  <a:ext uri="{0D108BD9-81ED-4DB2-BD59-A6C34878D82A}">
+                    <a16:rowId xmlns:a16="http://schemas.microsoft.com/office/drawing/2014/main" val="1913834749"/>
+                  </a:ext>
+                </a:extLst>
+              </a:tr>
+              <a:tr h="785674">
+                <a:tc>
+                  <a:txBody>
+                    <a:bodyPr/>
+                    <a:lstStyle/>
+                    <a:p>
+                      <a:r>
+                        <a:rPr lang="en-US" altLang="zh-TW" dirty="0"/>
+                        <a:t>0.82</a:t>
+                      </a:r>
+                      <a:endParaRPr lang="zh-TW" altLang="en-US" dirty="0"/>
+                    </a:p>
+                  </a:txBody>
+                  <a:tcPr/>
+                </a:tc>
+                <a:extLst>
+                  <a:ext uri="{0D108BD9-81ED-4DB2-BD59-A6C34878D82A}">
+                    <a16:rowId xmlns:a16="http://schemas.microsoft.com/office/drawing/2014/main" val="1865742138"/>
+                  </a:ext>
+                </a:extLst>
+              </a:tr>
+            </a:tbl>
+          </a:graphicData>
+        </a:graphic>
+      </p:graphicFrame>
+      <p:sp>
+        <p:nvSpPr>
+          <p:cNvPr id="19" name="文字方塊 18">
+            <a:extLst>
+              <a:ext uri="{FF2B5EF4-FFF2-40B4-BE49-F238E27FC236}">
+                <a16:creationId xmlns:a16="http://schemas.microsoft.com/office/drawing/2014/main" id="{054C6181-7681-4AD0-B647-977EC5FC8D74}"/>
+              </a:ext>
+            </a:extLst>
+          </p:cNvPr>
+          <p:cNvSpPr txBox="1"/>
+          <p:nvPr/>
+        </p:nvSpPr>
+        <p:spPr>
+          <a:xfrm>
+            <a:off x="8413184" y="491579"/>
+            <a:ext cx="1748901" cy="369332"/>
+          </a:xfrm>
+          <a:prstGeom prst="rect">
+            <a:avLst/>
+          </a:prstGeom>
+          <a:noFill/>
+        </p:spPr>
+        <p:txBody>
+          <a:bodyPr wrap="square" rtlCol="0">
+            <a:spAutoFit/>
+          </a:bodyPr>
+          <a:lstStyle/>
+          <a:p>
+            <a:r>
+              <a:rPr lang="zh-TW" altLang="en-US" dirty="0"/>
+              <a:t>測試波段</a:t>
+            </a:r>
+          </a:p>
+        </p:txBody>
+      </p:sp>
+      <p:sp>
+        <p:nvSpPr>
+          <p:cNvPr id="21" name="文字方塊 20">
+            <a:extLst>
+              <a:ext uri="{FF2B5EF4-FFF2-40B4-BE49-F238E27FC236}">
+                <a16:creationId xmlns:a16="http://schemas.microsoft.com/office/drawing/2014/main" id="{B36D74C9-B77F-4A2E-AFA1-8C28069D4E5D}"/>
+              </a:ext>
+            </a:extLst>
+          </p:cNvPr>
+          <p:cNvSpPr txBox="1"/>
+          <p:nvPr/>
+        </p:nvSpPr>
+        <p:spPr>
+          <a:xfrm>
+            <a:off x="10293662" y="480704"/>
+            <a:ext cx="1286966" cy="369332"/>
+          </a:xfrm>
+          <a:prstGeom prst="rect">
+            <a:avLst/>
+          </a:prstGeom>
+          <a:noFill/>
+        </p:spPr>
+        <p:txBody>
+          <a:bodyPr wrap="square" rtlCol="0">
+            <a:spAutoFit/>
+          </a:bodyPr>
+          <a:lstStyle/>
+          <a:p>
+            <a:r>
+              <a:rPr lang="zh-TW" altLang="en-US" dirty="0"/>
+              <a:t>預測秒數</a:t>
+            </a:r>
+          </a:p>
+        </p:txBody>
+      </p:sp>
+      <p:sp>
+        <p:nvSpPr>
+          <p:cNvPr id="22" name="標題 1">
+            <a:extLst>
+              <a:ext uri="{FF2B5EF4-FFF2-40B4-BE49-F238E27FC236}">
+                <a16:creationId xmlns:a16="http://schemas.microsoft.com/office/drawing/2014/main" id="{863ADD0E-8A2C-43B5-A6BC-15E74D7FE753}"/>
+              </a:ext>
+            </a:extLst>
+          </p:cNvPr>
+          <p:cNvSpPr txBox="1">
+            <a:spLocks/>
+          </p:cNvSpPr>
+          <p:nvPr/>
+        </p:nvSpPr>
+        <p:spPr>
+          <a:xfrm>
+            <a:off x="955124" y="3116768"/>
+            <a:ext cx="5118717" cy="1325563"/>
+          </a:xfrm>
+          <a:prstGeom prst="rect">
+            <a:avLst/>
+          </a:prstGeom>
+        </p:spPr>
+        <p:txBody>
+          <a:bodyPr vert="horz" lIns="91440" tIns="45720" rIns="91440" bIns="45720" rtlCol="0" anchor="ctr">
+            <a:normAutofit/>
+          </a:bodyPr>
+          <a:lstStyle>
+            <a:lvl1pPr algn="l" defTabSz="914400" rtl="0" eaLnBrk="1" latinLnBrk="0" hangingPunct="1">
+              <a:lnSpc>
+                <a:spcPct val="90000"/>
+              </a:lnSpc>
+              <a:spcBef>
+                <a:spcPct val="0"/>
+              </a:spcBef>
+              <a:buNone/>
+              <a:defRPr sz="4400" kern="1200">
+                <a:solidFill>
+                  <a:schemeClr val="tx1"/>
+                </a:solidFill>
+                <a:latin typeface="+mj-lt"/>
+                <a:ea typeface="+mj-ea"/>
+                <a:cs typeface="+mj-cs"/>
+              </a:defRPr>
+            </a:lvl1pPr>
+          </a:lstStyle>
+          <a:p>
+            <a:r>
+              <a:rPr lang="zh-TW" altLang="en-US" dirty="0"/>
+              <a:t>資料處理</a:t>
+            </a:r>
+          </a:p>
+        </p:txBody>
+      </p:sp>
+      <p:sp>
+        <p:nvSpPr>
+          <p:cNvPr id="23" name="內容版面配置區 2">
+            <a:extLst>
+              <a:ext uri="{FF2B5EF4-FFF2-40B4-BE49-F238E27FC236}">
+                <a16:creationId xmlns:a16="http://schemas.microsoft.com/office/drawing/2014/main" id="{F0364A20-E5E3-4373-BD3B-A1C0E99D976B}"/>
+              </a:ext>
+            </a:extLst>
+          </p:cNvPr>
+          <p:cNvSpPr txBox="1">
+            <a:spLocks/>
+          </p:cNvSpPr>
+          <p:nvPr/>
+        </p:nvSpPr>
+        <p:spPr>
+          <a:xfrm>
+            <a:off x="838200" y="4442331"/>
+            <a:ext cx="6308324" cy="1175027"/>
+          </a:xfrm>
+          <a:prstGeom prst="rect">
+            <a:avLst/>
+          </a:prstGeom>
+        </p:spPr>
+        <p:txBody>
+          <a:bodyPr vert="horz" lIns="91440" tIns="45720" rIns="91440" bIns="45720" rtlCol="0">
+            <a:normAutofit/>
+          </a:bodyPr>
+          <a:lstStyle>
+            <a:lvl1pPr marL="228600" indent="-228600" algn="l" defTabSz="914400" rtl="0" eaLnBrk="1" latinLnBrk="0" hangingPunct="1">
+              <a:lnSpc>
+                <a:spcPct val="90000"/>
+              </a:lnSpc>
+              <a:spcBef>
+                <a:spcPts val="1000"/>
+              </a:spcBef>
+              <a:buFont typeface="Arial" panose="020B0604020202020204" pitchFamily="34" charset="0"/>
+              <a:buChar char="•"/>
+              <a:defRPr sz="2800" kern="1200">
+                <a:solidFill>
+                  <a:schemeClr val="tx1"/>
+                </a:solidFill>
+                <a:latin typeface="+mn-lt"/>
+                <a:ea typeface="+mn-ea"/>
+                <a:cs typeface="+mn-cs"/>
+              </a:defRPr>
+            </a:lvl1pPr>
+            <a:lvl2pPr marL="685800" indent="-228600" algn="l" defTabSz="914400" rtl="0" eaLnBrk="1" latinLnBrk="0" hangingPunct="1">
+              <a:lnSpc>
+                <a:spcPct val="90000"/>
+              </a:lnSpc>
+              <a:spcBef>
+                <a:spcPts val="500"/>
+              </a:spcBef>
+              <a:buFont typeface="Arial" panose="020B0604020202020204" pitchFamily="34" charset="0"/>
+              <a:buChar char="•"/>
+              <a:defRPr sz="2400" kern="1200">
+                <a:solidFill>
+                  <a:schemeClr val="tx1"/>
+                </a:solidFill>
+                <a:latin typeface="+mn-lt"/>
+                <a:ea typeface="+mn-ea"/>
+                <a:cs typeface="+mn-cs"/>
+              </a:defRPr>
+            </a:lvl2pPr>
+            <a:lvl3pPr marL="1143000" indent="-228600" algn="l" defTabSz="914400" rtl="0" eaLnBrk="1" latinLnBrk="0" hangingPunct="1">
+              <a:lnSpc>
+                <a:spcPct val="90000"/>
+              </a:lnSpc>
+              <a:spcBef>
+                <a:spcPts val="500"/>
+              </a:spcBef>
+              <a:buFont typeface="Arial" panose="020B0604020202020204" pitchFamily="34" charset="0"/>
+              <a:buChar char="•"/>
+              <a:defRPr sz="2000" kern="1200">
+                <a:solidFill>
+                  <a:schemeClr val="tx1"/>
+                </a:solidFill>
+                <a:latin typeface="+mn-lt"/>
+                <a:ea typeface="+mn-ea"/>
+                <a:cs typeface="+mn-cs"/>
+              </a:defRPr>
+            </a:lvl3pPr>
+            <a:lvl4pPr marL="1600200" indent="-228600" algn="l" defTabSz="914400" rtl="0" eaLnBrk="1" latinLnBrk="0" hangingPunct="1">
+              <a:lnSpc>
+                <a:spcPct val="90000"/>
+              </a:lnSpc>
+              <a:spcBef>
+                <a:spcPts val="500"/>
+              </a:spcBef>
+              <a:buFont typeface="Arial" panose="020B0604020202020204" pitchFamily="34" charset="0"/>
+              <a:buChar char="•"/>
+              <a:defRPr sz="1800" kern="1200">
+                <a:solidFill>
+                  <a:schemeClr val="tx1"/>
+                </a:solidFill>
+                <a:latin typeface="+mn-lt"/>
+                <a:ea typeface="+mn-ea"/>
+                <a:cs typeface="+mn-cs"/>
+              </a:defRPr>
+            </a:lvl4pPr>
+            <a:lvl5pPr marL="2057400" indent="-228600" algn="l" defTabSz="914400" rtl="0" eaLnBrk="1" latinLnBrk="0" hangingPunct="1">
+              <a:lnSpc>
+                <a:spcPct val="90000"/>
+              </a:lnSpc>
+              <a:spcBef>
+                <a:spcPts val="500"/>
+              </a:spcBef>
+              <a:buFont typeface="Arial" panose="020B0604020202020204" pitchFamily="34" charset="0"/>
+              <a:buChar char="•"/>
+              <a:defRPr sz="1800" kern="1200">
+                <a:solidFill>
+                  <a:schemeClr val="tx1"/>
+                </a:solidFill>
+                <a:latin typeface="+mn-lt"/>
+                <a:ea typeface="+mn-ea"/>
+                <a:cs typeface="+mn-cs"/>
+              </a:defRPr>
+            </a:lvl5pPr>
+            <a:lvl6pPr marL="2514600" indent="-228600" algn="l" defTabSz="914400" rtl="0" eaLnBrk="1" latinLnBrk="0" hangingPunct="1">
+              <a:lnSpc>
+                <a:spcPct val="90000"/>
+              </a:lnSpc>
+              <a:spcBef>
+                <a:spcPts val="500"/>
+              </a:spcBef>
+              <a:buFont typeface="Arial" panose="020B0604020202020204" pitchFamily="34" charset="0"/>
+              <a:buChar char="•"/>
+              <a:defRPr sz="1800" kern="1200">
+                <a:solidFill>
+                  <a:schemeClr val="tx1"/>
+                </a:solidFill>
+                <a:latin typeface="+mn-lt"/>
+                <a:ea typeface="+mn-ea"/>
+                <a:cs typeface="+mn-cs"/>
+              </a:defRPr>
+            </a:lvl6pPr>
+            <a:lvl7pPr marL="2971800" indent="-228600" algn="l" defTabSz="914400" rtl="0" eaLnBrk="1" latinLnBrk="0" hangingPunct="1">
+              <a:lnSpc>
+                <a:spcPct val="90000"/>
+              </a:lnSpc>
+              <a:spcBef>
+                <a:spcPts val="500"/>
+              </a:spcBef>
+              <a:buFont typeface="Arial" panose="020B0604020202020204" pitchFamily="34" charset="0"/>
+              <a:buChar char="•"/>
+              <a:defRPr sz="1800" kern="1200">
+                <a:solidFill>
+                  <a:schemeClr val="tx1"/>
+                </a:solidFill>
+                <a:latin typeface="+mn-lt"/>
+                <a:ea typeface="+mn-ea"/>
+                <a:cs typeface="+mn-cs"/>
+              </a:defRPr>
+            </a:lvl7pPr>
+            <a:lvl8pPr marL="3429000" indent="-228600" algn="l" defTabSz="914400" rtl="0" eaLnBrk="1" latinLnBrk="0" hangingPunct="1">
+              <a:lnSpc>
+                <a:spcPct val="90000"/>
+              </a:lnSpc>
+              <a:spcBef>
+                <a:spcPts val="500"/>
+              </a:spcBef>
+              <a:buFont typeface="Arial" panose="020B0604020202020204" pitchFamily="34" charset="0"/>
+              <a:buChar char="•"/>
+              <a:defRPr sz="1800" kern="1200">
+                <a:solidFill>
+                  <a:schemeClr val="tx1"/>
+                </a:solidFill>
+                <a:latin typeface="+mn-lt"/>
+                <a:ea typeface="+mn-ea"/>
+                <a:cs typeface="+mn-cs"/>
+              </a:defRPr>
+            </a:lvl8pPr>
+            <a:lvl9pPr marL="3886200" indent="-228600" algn="l" defTabSz="914400" rtl="0" eaLnBrk="1" latinLnBrk="0" hangingPunct="1">
+              <a:lnSpc>
+                <a:spcPct val="90000"/>
+              </a:lnSpc>
+              <a:spcBef>
+                <a:spcPts val="500"/>
+              </a:spcBef>
+              <a:buFont typeface="Arial" panose="020B0604020202020204" pitchFamily="34" charset="0"/>
+              <a:buChar char="•"/>
+              <a:defRPr sz="1800" kern="1200">
+                <a:solidFill>
+                  <a:schemeClr val="tx1"/>
+                </a:solidFill>
+                <a:latin typeface="+mn-lt"/>
+                <a:ea typeface="+mn-ea"/>
+                <a:cs typeface="+mn-cs"/>
+              </a:defRPr>
+            </a:lvl9pPr>
+          </a:lstStyle>
+          <a:p>
+            <a:pPr marL="514350" indent="-514350">
+              <a:buFont typeface="Arial" panose="020B0604020202020204" pitchFamily="34" charset="0"/>
+              <a:buAutoNum type="arabicPeriod"/>
+            </a:pPr>
+            <a:r>
+              <a:rPr lang="zh-TW" altLang="en-US" sz="1800" dirty="0"/>
+              <a:t>將訓練資料切成 </a:t>
+            </a:r>
+            <a:r>
+              <a:rPr lang="en-US" altLang="zh-TW" sz="1800" dirty="0"/>
+              <a:t>4194 </a:t>
+            </a:r>
+            <a:r>
+              <a:rPr lang="zh-TW" altLang="en-US" sz="1800" dirty="0"/>
+              <a:t>段，每段</a:t>
+            </a:r>
+            <a:r>
+              <a:rPr lang="en-US" altLang="zh-TW" sz="1800" dirty="0"/>
+              <a:t>150,000</a:t>
+            </a:r>
+            <a:r>
+              <a:rPr lang="zh-TW" altLang="en-US" sz="1800" dirty="0"/>
+              <a:t>筆聲波資料</a:t>
+            </a:r>
+            <a:endParaRPr lang="en-US" altLang="zh-TW" sz="1800" dirty="0"/>
+          </a:p>
+          <a:p>
+            <a:pPr marL="514350" indent="-514350">
+              <a:buFont typeface="Arial" panose="020B0604020202020204" pitchFamily="34" charset="0"/>
+              <a:buAutoNum type="arabicPeriod"/>
+            </a:pPr>
+            <a:r>
+              <a:rPr lang="zh-TW" altLang="en-US" sz="1800" dirty="0"/>
+              <a:t>進行特徵工程</a:t>
+            </a:r>
+            <a:endParaRPr lang="en-US" altLang="zh-TW" sz="1800" dirty="0"/>
+          </a:p>
+        </p:txBody>
+      </p:sp>
+    </p:spTree>
+    <p:extLst>
+      <p:ext uri="{BB962C8B-B14F-4D97-AF65-F5344CB8AC3E}">
+        <p14:creationId xmlns:p14="http://schemas.microsoft.com/office/powerpoint/2010/main" val="3288095713"/>
+      </p:ext>
+    </p:extLst>
+  </p:cSld>
+  <p:clrMapOvr>
+    <a:masterClrMapping/>
+  </p:clrMapOvr>
+</p:sld>
+</file>
+
+<file path=ppt/slides/slide6.xml><?xml version="1.0" encoding="utf-8"?>
+<p:sld xmlns:a="http://schemas.openxmlformats.org/drawingml/2006/main" xmlns:r="http://schemas.openxmlformats.org/officeDocument/2006/relationships" xmlns:p="http://schemas.openxmlformats.org/presentationml/2006/main">
+  <p:cSld>
+    <p:spTree>
+      <p:nvGrpSpPr>
+        <p:cNvPr id="1" name=""/>
+        <p:cNvGrpSpPr/>
+        <p:nvPr/>
+      </p:nvGrpSpPr>
+      <p:grpSpPr>
+        <a:xfrm>
+          <a:off x="0" y="0"/>
+          <a:ext cx="0" cy="0"/>
+          <a:chOff x="0" y="0"/>
+          <a:chExt cx="0" cy="0"/>
+        </a:xfrm>
+      </p:grpSpPr>
+      <p:sp>
+        <p:nvSpPr>
+          <p:cNvPr id="7" name="標題 6">
+            <a:extLst>
+              <a:ext uri="{FF2B5EF4-FFF2-40B4-BE49-F238E27FC236}">
+                <a16:creationId xmlns:a16="http://schemas.microsoft.com/office/drawing/2014/main" id="{4C62CB45-3F0D-4D81-A1B2-FD9B8A5CDF44}"/>
               </a:ext>
             </a:extLst>
           </p:cNvPr>
@@ -3841,9 +5309,851 @@
       </p:sp>
       <p:sp>
         <p:nvSpPr>
+          <p:cNvPr id="9" name="內容版面配置區 8">
+            <a:extLst>
+              <a:ext uri="{FF2B5EF4-FFF2-40B4-BE49-F238E27FC236}">
+                <a16:creationId xmlns:a16="http://schemas.microsoft.com/office/drawing/2014/main" id="{13696CA3-31C9-4855-85A0-AE642976BF3B}"/>
+              </a:ext>
+            </a:extLst>
+          </p:cNvPr>
+          <p:cNvSpPr>
+            <a:spLocks noGrp="1"/>
+          </p:cNvSpPr>
+          <p:nvPr>
+            <p:ph idx="1"/>
+          </p:nvPr>
+        </p:nvSpPr>
+        <p:spPr>
+          <a:xfrm>
+            <a:off x="5864124" y="1172462"/>
+            <a:ext cx="6079060" cy="2545787"/>
+          </a:xfrm>
+        </p:spPr>
+        <p:txBody>
+          <a:bodyPr>
+            <a:normAutofit/>
+          </a:bodyPr>
+          <a:lstStyle/>
+          <a:p>
+            <a:pPr marL="0" indent="0">
+              <a:buNone/>
+            </a:pPr>
+            <a:r>
+              <a:rPr lang="zh-TW" altLang="en-US" sz="2000" dirty="0"/>
+              <a:t>計算原始訊號特徵</a:t>
+            </a:r>
+            <a:endParaRPr lang="en-US" altLang="zh-TW" sz="2000" dirty="0"/>
+          </a:p>
+          <a:p>
+            <a:pPr>
+              <a:buFontTx/>
+              <a:buChar char="-"/>
+            </a:pPr>
+            <a:r>
+              <a:rPr lang="zh-TW" altLang="en-US" sz="2000" dirty="0"/>
+              <a:t>移動統計量的分位數</a:t>
+            </a:r>
+            <a:endParaRPr lang="en-US" altLang="zh-TW" sz="2000" dirty="0"/>
+          </a:p>
+          <a:p>
+            <a:pPr>
+              <a:buFontTx/>
+              <a:buChar char="-"/>
+            </a:pPr>
+            <a:r>
+              <a:rPr lang="zh-TW" altLang="en-US" sz="2000" dirty="0"/>
+              <a:t>一般統計量</a:t>
+            </a:r>
+            <a:r>
+              <a:rPr lang="en-US" altLang="zh-TW" sz="2000" dirty="0"/>
+              <a:t>(std</a:t>
+            </a:r>
+            <a:r>
+              <a:rPr lang="zh-TW" altLang="en-US" sz="2000" dirty="0"/>
+              <a:t>、</a:t>
+            </a:r>
+            <a:r>
+              <a:rPr lang="en-US" altLang="zh-TW" sz="2000" dirty="0"/>
+              <a:t>mean</a:t>
+            </a:r>
+            <a:r>
+              <a:rPr lang="zh-TW" altLang="en-US" sz="2000" dirty="0"/>
+              <a:t>、</a:t>
+            </a:r>
+            <a:r>
+              <a:rPr lang="en-US" altLang="zh-TW" sz="2000" dirty="0" err="1"/>
+              <a:t>iqr</a:t>
+            </a:r>
+            <a:r>
+              <a:rPr lang="zh-TW" altLang="en-US" sz="2000" dirty="0"/>
+              <a:t>、</a:t>
+            </a:r>
+            <a:r>
+              <a:rPr lang="en-US" altLang="zh-TW" sz="2000" dirty="0"/>
+              <a:t>max</a:t>
+            </a:r>
+            <a:r>
+              <a:rPr lang="zh-TW" altLang="en-US" sz="2000" dirty="0"/>
+              <a:t>、</a:t>
+            </a:r>
+            <a:r>
+              <a:rPr lang="en-US" altLang="zh-TW" sz="2000" dirty="0" err="1"/>
+              <a:t>qth</a:t>
+            </a:r>
+            <a:r>
+              <a:rPr lang="zh-TW" altLang="en-US" sz="2000" dirty="0"/>
+              <a:t>、</a:t>
+            </a:r>
+            <a:r>
+              <a:rPr lang="en-US" altLang="zh-TW" sz="2000" dirty="0"/>
+              <a:t>…)</a:t>
+            </a:r>
+          </a:p>
+          <a:p>
+            <a:pPr>
+              <a:buFontTx/>
+              <a:buChar char="-"/>
+            </a:pPr>
+            <a:r>
+              <a:rPr lang="en-US" altLang="zh-TW" sz="2000" dirty="0"/>
+              <a:t>STA/LTA</a:t>
+            </a:r>
+            <a:r>
+              <a:rPr lang="zh-TW" altLang="en-US" sz="2000" dirty="0"/>
+              <a:t> </a:t>
+            </a:r>
+            <a:endParaRPr lang="en-US" altLang="zh-TW" sz="2000" dirty="0"/>
+          </a:p>
+          <a:p>
+            <a:pPr>
+              <a:buFontTx/>
+              <a:buChar char="-"/>
+            </a:pPr>
+            <a:r>
+              <a:rPr lang="zh-TW" altLang="en-US" sz="2000" dirty="0"/>
+              <a:t>其他</a:t>
+            </a:r>
+          </a:p>
+        </p:txBody>
+      </p:sp>
+      <p:sp>
+        <p:nvSpPr>
+          <p:cNvPr id="10" name="內容版面配置區 8">
+            <a:extLst>
+              <a:ext uri="{FF2B5EF4-FFF2-40B4-BE49-F238E27FC236}">
+                <a16:creationId xmlns:a16="http://schemas.microsoft.com/office/drawing/2014/main" id="{46445679-69A0-486C-820D-D7F08817894D}"/>
+              </a:ext>
+            </a:extLst>
+          </p:cNvPr>
+          <p:cNvSpPr txBox="1">
+            <a:spLocks/>
+          </p:cNvSpPr>
+          <p:nvPr/>
+        </p:nvSpPr>
+        <p:spPr>
+          <a:xfrm>
+            <a:off x="5864124" y="4267023"/>
+            <a:ext cx="5149057" cy="2225852"/>
+          </a:xfrm>
+          <a:prstGeom prst="rect">
+            <a:avLst/>
+          </a:prstGeom>
+        </p:spPr>
+        <p:txBody>
+          <a:bodyPr vert="horz" lIns="91440" tIns="45720" rIns="91440" bIns="45720" rtlCol="0">
+            <a:normAutofit/>
+          </a:bodyPr>
+          <a:lstStyle>
+            <a:lvl1pPr marL="228600" indent="-228600" algn="l" defTabSz="914400" rtl="0" eaLnBrk="1" latinLnBrk="0" hangingPunct="1">
+              <a:lnSpc>
+                <a:spcPct val="90000"/>
+              </a:lnSpc>
+              <a:spcBef>
+                <a:spcPts val="1000"/>
+              </a:spcBef>
+              <a:buFont typeface="Arial" panose="020B0604020202020204" pitchFamily="34" charset="0"/>
+              <a:buChar char="•"/>
+              <a:defRPr sz="2800" kern="1200">
+                <a:solidFill>
+                  <a:schemeClr val="tx1"/>
+                </a:solidFill>
+                <a:latin typeface="+mn-lt"/>
+                <a:ea typeface="+mn-ea"/>
+                <a:cs typeface="+mn-cs"/>
+              </a:defRPr>
+            </a:lvl1pPr>
+            <a:lvl2pPr marL="685800" indent="-228600" algn="l" defTabSz="914400" rtl="0" eaLnBrk="1" latinLnBrk="0" hangingPunct="1">
+              <a:lnSpc>
+                <a:spcPct val="90000"/>
+              </a:lnSpc>
+              <a:spcBef>
+                <a:spcPts val="500"/>
+              </a:spcBef>
+              <a:buFont typeface="Arial" panose="020B0604020202020204" pitchFamily="34" charset="0"/>
+              <a:buChar char="•"/>
+              <a:defRPr sz="2400" kern="1200">
+                <a:solidFill>
+                  <a:schemeClr val="tx1"/>
+                </a:solidFill>
+                <a:latin typeface="+mn-lt"/>
+                <a:ea typeface="+mn-ea"/>
+                <a:cs typeface="+mn-cs"/>
+              </a:defRPr>
+            </a:lvl2pPr>
+            <a:lvl3pPr marL="1143000" indent="-228600" algn="l" defTabSz="914400" rtl="0" eaLnBrk="1" latinLnBrk="0" hangingPunct="1">
+              <a:lnSpc>
+                <a:spcPct val="90000"/>
+              </a:lnSpc>
+              <a:spcBef>
+                <a:spcPts val="500"/>
+              </a:spcBef>
+              <a:buFont typeface="Arial" panose="020B0604020202020204" pitchFamily="34" charset="0"/>
+              <a:buChar char="•"/>
+              <a:defRPr sz="2000" kern="1200">
+                <a:solidFill>
+                  <a:schemeClr val="tx1"/>
+                </a:solidFill>
+                <a:latin typeface="+mn-lt"/>
+                <a:ea typeface="+mn-ea"/>
+                <a:cs typeface="+mn-cs"/>
+              </a:defRPr>
+            </a:lvl3pPr>
+            <a:lvl4pPr marL="1600200" indent="-228600" algn="l" defTabSz="914400" rtl="0" eaLnBrk="1" latinLnBrk="0" hangingPunct="1">
+              <a:lnSpc>
+                <a:spcPct val="90000"/>
+              </a:lnSpc>
+              <a:spcBef>
+                <a:spcPts val="500"/>
+              </a:spcBef>
+              <a:buFont typeface="Arial" panose="020B0604020202020204" pitchFamily="34" charset="0"/>
+              <a:buChar char="•"/>
+              <a:defRPr sz="1800" kern="1200">
+                <a:solidFill>
+                  <a:schemeClr val="tx1"/>
+                </a:solidFill>
+                <a:latin typeface="+mn-lt"/>
+                <a:ea typeface="+mn-ea"/>
+                <a:cs typeface="+mn-cs"/>
+              </a:defRPr>
+            </a:lvl4pPr>
+            <a:lvl5pPr marL="2057400" indent="-228600" algn="l" defTabSz="914400" rtl="0" eaLnBrk="1" latinLnBrk="0" hangingPunct="1">
+              <a:lnSpc>
+                <a:spcPct val="90000"/>
+              </a:lnSpc>
+              <a:spcBef>
+                <a:spcPts val="500"/>
+              </a:spcBef>
+              <a:buFont typeface="Arial" panose="020B0604020202020204" pitchFamily="34" charset="0"/>
+              <a:buChar char="•"/>
+              <a:defRPr sz="1800" kern="1200">
+                <a:solidFill>
+                  <a:schemeClr val="tx1"/>
+                </a:solidFill>
+                <a:latin typeface="+mn-lt"/>
+                <a:ea typeface="+mn-ea"/>
+                <a:cs typeface="+mn-cs"/>
+              </a:defRPr>
+            </a:lvl5pPr>
+            <a:lvl6pPr marL="2514600" indent="-228600" algn="l" defTabSz="914400" rtl="0" eaLnBrk="1" latinLnBrk="0" hangingPunct="1">
+              <a:lnSpc>
+                <a:spcPct val="90000"/>
+              </a:lnSpc>
+              <a:spcBef>
+                <a:spcPts val="500"/>
+              </a:spcBef>
+              <a:buFont typeface="Arial" panose="020B0604020202020204" pitchFamily="34" charset="0"/>
+              <a:buChar char="•"/>
+              <a:defRPr sz="1800" kern="1200">
+                <a:solidFill>
+                  <a:schemeClr val="tx1"/>
+                </a:solidFill>
+                <a:latin typeface="+mn-lt"/>
+                <a:ea typeface="+mn-ea"/>
+                <a:cs typeface="+mn-cs"/>
+              </a:defRPr>
+            </a:lvl6pPr>
+            <a:lvl7pPr marL="2971800" indent="-228600" algn="l" defTabSz="914400" rtl="0" eaLnBrk="1" latinLnBrk="0" hangingPunct="1">
+              <a:lnSpc>
+                <a:spcPct val="90000"/>
+              </a:lnSpc>
+              <a:spcBef>
+                <a:spcPts val="500"/>
+              </a:spcBef>
+              <a:buFont typeface="Arial" panose="020B0604020202020204" pitchFamily="34" charset="0"/>
+              <a:buChar char="•"/>
+              <a:defRPr sz="1800" kern="1200">
+                <a:solidFill>
+                  <a:schemeClr val="tx1"/>
+                </a:solidFill>
+                <a:latin typeface="+mn-lt"/>
+                <a:ea typeface="+mn-ea"/>
+                <a:cs typeface="+mn-cs"/>
+              </a:defRPr>
+            </a:lvl7pPr>
+            <a:lvl8pPr marL="3429000" indent="-228600" algn="l" defTabSz="914400" rtl="0" eaLnBrk="1" latinLnBrk="0" hangingPunct="1">
+              <a:lnSpc>
+                <a:spcPct val="90000"/>
+              </a:lnSpc>
+              <a:spcBef>
+                <a:spcPts val="500"/>
+              </a:spcBef>
+              <a:buFont typeface="Arial" panose="020B0604020202020204" pitchFamily="34" charset="0"/>
+              <a:buChar char="•"/>
+              <a:defRPr sz="1800" kern="1200">
+                <a:solidFill>
+                  <a:schemeClr val="tx1"/>
+                </a:solidFill>
+                <a:latin typeface="+mn-lt"/>
+                <a:ea typeface="+mn-ea"/>
+                <a:cs typeface="+mn-cs"/>
+              </a:defRPr>
+            </a:lvl8pPr>
+            <a:lvl9pPr marL="3886200" indent="-228600" algn="l" defTabSz="914400" rtl="0" eaLnBrk="1" latinLnBrk="0" hangingPunct="1">
+              <a:lnSpc>
+                <a:spcPct val="90000"/>
+              </a:lnSpc>
+              <a:spcBef>
+                <a:spcPts val="500"/>
+              </a:spcBef>
+              <a:buFont typeface="Arial" panose="020B0604020202020204" pitchFamily="34" charset="0"/>
+              <a:buChar char="•"/>
+              <a:defRPr sz="1800" kern="1200">
+                <a:solidFill>
+                  <a:schemeClr val="tx1"/>
+                </a:solidFill>
+                <a:latin typeface="+mn-lt"/>
+                <a:ea typeface="+mn-ea"/>
+                <a:cs typeface="+mn-cs"/>
+              </a:defRPr>
+            </a:lvl9pPr>
+          </a:lstStyle>
+          <a:p>
+            <a:pPr marL="0" indent="0">
+              <a:buNone/>
+            </a:pPr>
+            <a:r>
+              <a:rPr lang="zh-TW" altLang="en-US" sz="2000" dirty="0"/>
+              <a:t>短時距傅立葉轉換</a:t>
+            </a:r>
+            <a:r>
+              <a:rPr lang="en-US" altLang="zh-TW" sz="2000" dirty="0"/>
+              <a:t>(</a:t>
+            </a:r>
+            <a:r>
+              <a:rPr lang="en-US" altLang="zh-TW" sz="2000" dirty="0" err="1"/>
+              <a:t>stft</a:t>
+            </a:r>
+            <a:r>
+              <a:rPr lang="en-US" altLang="zh-TW" sz="2000" dirty="0"/>
+              <a:t>)</a:t>
+            </a:r>
+          </a:p>
+          <a:p>
+            <a:pPr>
+              <a:buFontTx/>
+              <a:buChar char="-"/>
+            </a:pPr>
+            <a:r>
+              <a:rPr lang="zh-TW" altLang="en-US" sz="2000" dirty="0"/>
+              <a:t>頻率分量的統計值</a:t>
+            </a:r>
+            <a:endParaRPr lang="en-US" altLang="zh-TW" sz="2000" dirty="0"/>
+          </a:p>
+          <a:p>
+            <a:pPr>
+              <a:buFontTx/>
+              <a:buChar char="-"/>
+            </a:pPr>
+            <a:r>
+              <a:rPr lang="zh-TW" altLang="en-US" sz="2000" dirty="0"/>
+              <a:t>最大頻率的 </a:t>
+            </a:r>
+            <a:r>
+              <a:rPr lang="en-US" altLang="zh-TW" sz="2000" dirty="0"/>
+              <a:t>mean/std</a:t>
+            </a:r>
+          </a:p>
+          <a:p>
+            <a:pPr>
+              <a:buFontTx/>
+              <a:buChar char="-"/>
+            </a:pPr>
+            <a:r>
+              <a:rPr lang="zh-TW" altLang="en-US" sz="2000" dirty="0"/>
+              <a:t>前</a:t>
+            </a:r>
+            <a:r>
+              <a:rPr lang="en-US" altLang="zh-TW" sz="2000" dirty="0"/>
+              <a:t>5/10</a:t>
+            </a:r>
+            <a:r>
+              <a:rPr lang="zh-TW" altLang="en-US" sz="2000" dirty="0"/>
+              <a:t>大頻率標準差的 </a:t>
+            </a:r>
+            <a:r>
+              <a:rPr lang="en-US" altLang="zh-TW" sz="2000" dirty="0"/>
+              <a:t>mean/std</a:t>
+            </a:r>
+          </a:p>
+          <a:p>
+            <a:pPr>
+              <a:buFontTx/>
+              <a:buChar char="-"/>
+            </a:pPr>
+            <a:endParaRPr lang="en-US" altLang="zh-TW" sz="2000" dirty="0"/>
+          </a:p>
+          <a:p>
+            <a:pPr>
+              <a:buFontTx/>
+              <a:buChar char="-"/>
+            </a:pPr>
+            <a:endParaRPr lang="zh-TW" altLang="en-US" sz="2000" dirty="0"/>
+          </a:p>
+        </p:txBody>
+      </p:sp>
+      <p:pic>
+        <p:nvPicPr>
+          <p:cNvPr id="24" name="圖片 23" descr="一張含有 監視器, 電視, 螢幕, 時鐘 的圖片&#10;&#10;自動產生的描述">
+            <a:extLst>
+              <a:ext uri="{FF2B5EF4-FFF2-40B4-BE49-F238E27FC236}">
+                <a16:creationId xmlns:a16="http://schemas.microsoft.com/office/drawing/2014/main" id="{3AF2CC83-9072-4E0F-938B-43ADB1B94EBC}"/>
+              </a:ext>
+            </a:extLst>
+          </p:cNvPr>
+          <p:cNvPicPr>
+            <a:picLocks noChangeAspect="1"/>
+          </p:cNvPicPr>
+          <p:nvPr/>
+        </p:nvPicPr>
+        <p:blipFill>
+          <a:blip r:embed="rId2">
+            <a:extLst>
+              <a:ext uri="{28A0092B-C50C-407E-A947-70E740481C1C}">
+                <a14:useLocalDpi xmlns:a14="http://schemas.microsoft.com/office/drawing/2010/main" val="0"/>
+              </a:ext>
+            </a:extLst>
+          </a:blip>
+          <a:stretch>
+            <a:fillRect/>
+          </a:stretch>
+        </p:blipFill>
+        <p:spPr>
+          <a:xfrm>
+            <a:off x="1160442" y="4184279"/>
+            <a:ext cx="4136522" cy="2071749"/>
+          </a:xfrm>
+          <a:prstGeom prst="rect">
+            <a:avLst/>
+          </a:prstGeom>
+        </p:spPr>
+      </p:pic>
+      <p:pic>
+        <p:nvPicPr>
+          <p:cNvPr id="26" name="圖片 25" descr="一張含有 物件, 天線, 坐 的圖片&#10;&#10;自動產生的描述">
+            <a:extLst>
+              <a:ext uri="{FF2B5EF4-FFF2-40B4-BE49-F238E27FC236}">
+                <a16:creationId xmlns:a16="http://schemas.microsoft.com/office/drawing/2014/main" id="{8CD4ECBC-13D7-4071-87C6-159FC49C1A33}"/>
+              </a:ext>
+            </a:extLst>
+          </p:cNvPr>
+          <p:cNvPicPr>
+            <a:picLocks noChangeAspect="1"/>
+          </p:cNvPicPr>
+          <p:nvPr/>
+        </p:nvPicPr>
+        <p:blipFill>
+          <a:blip r:embed="rId3">
+            <a:extLst>
+              <a:ext uri="{28A0092B-C50C-407E-A947-70E740481C1C}">
+                <a14:useLocalDpi xmlns:a14="http://schemas.microsoft.com/office/drawing/2010/main" val="0"/>
+              </a:ext>
+            </a:extLst>
+          </a:blip>
+          <a:stretch>
+            <a:fillRect/>
+          </a:stretch>
+        </p:blipFill>
+        <p:spPr>
+          <a:xfrm>
+            <a:off x="1062423" y="1502475"/>
+            <a:ext cx="4332561" cy="2072095"/>
+          </a:xfrm>
+          <a:prstGeom prst="rect">
+            <a:avLst/>
+          </a:prstGeom>
+        </p:spPr>
+      </p:pic>
+    </p:spTree>
+    <p:extLst>
+      <p:ext uri="{BB962C8B-B14F-4D97-AF65-F5344CB8AC3E}">
+        <p14:creationId xmlns:p14="http://schemas.microsoft.com/office/powerpoint/2010/main" val="4115063585"/>
+      </p:ext>
+    </p:extLst>
+  </p:cSld>
+  <p:clrMapOvr>
+    <a:masterClrMapping/>
+  </p:clrMapOvr>
+</p:sld>
+</file>
+
+<file path=ppt/slides/slide7.xml><?xml version="1.0" encoding="utf-8"?>
+<p:sld xmlns:a="http://schemas.openxmlformats.org/drawingml/2006/main" xmlns:r="http://schemas.openxmlformats.org/officeDocument/2006/relationships" xmlns:p="http://schemas.openxmlformats.org/presentationml/2006/main">
+  <p:cSld>
+    <p:spTree>
+      <p:nvGrpSpPr>
+        <p:cNvPr id="1" name=""/>
+        <p:cNvGrpSpPr/>
+        <p:nvPr/>
+      </p:nvGrpSpPr>
+      <p:grpSpPr>
+        <a:xfrm>
+          <a:off x="0" y="0"/>
+          <a:ext cx="0" cy="0"/>
+          <a:chOff x="0" y="0"/>
+          <a:chExt cx="0" cy="0"/>
+        </a:xfrm>
+      </p:grpSpPr>
+      <p:sp>
+        <p:nvSpPr>
+          <p:cNvPr id="2" name="標題 1">
+            <a:extLst>
+              <a:ext uri="{FF2B5EF4-FFF2-40B4-BE49-F238E27FC236}">
+                <a16:creationId xmlns:a16="http://schemas.microsoft.com/office/drawing/2014/main" id="{F257D670-BDBA-4E87-A9EC-F133FB77AA9D}"/>
+              </a:ext>
+            </a:extLst>
+          </p:cNvPr>
+          <p:cNvSpPr>
+            <a:spLocks noGrp="1"/>
+          </p:cNvSpPr>
+          <p:nvPr>
+            <p:ph type="title"/>
+          </p:nvPr>
+        </p:nvSpPr>
+        <p:spPr/>
+        <p:txBody>
+          <a:bodyPr/>
+          <a:lstStyle/>
+          <a:p>
+            <a:r>
+              <a:rPr lang="zh-TW" altLang="en-US" dirty="0"/>
+              <a:t>特徵工程</a:t>
+            </a:r>
+          </a:p>
+        </p:txBody>
+      </p:sp>
+      <p:sp>
+        <p:nvSpPr>
           <p:cNvPr id="3" name="內容版面配置區 2">
             <a:extLst>
               <a:ext uri="{FF2B5EF4-FFF2-40B4-BE49-F238E27FC236}">
+                <a16:creationId xmlns:a16="http://schemas.microsoft.com/office/drawing/2014/main" id="{AB8C7AFA-0D6B-4BB6-8670-6572D13E530A}"/>
+              </a:ext>
+            </a:extLst>
+          </p:cNvPr>
+          <p:cNvSpPr>
+            <a:spLocks noGrp="1"/>
+          </p:cNvSpPr>
+          <p:nvPr>
+            <p:ph idx="1"/>
+          </p:nvPr>
+        </p:nvSpPr>
+        <p:spPr>
+          <a:xfrm>
+            <a:off x="838200" y="1825625"/>
+            <a:ext cx="3982375" cy="662960"/>
+          </a:xfrm>
+        </p:spPr>
+        <p:txBody>
+          <a:bodyPr/>
+          <a:lstStyle/>
+          <a:p>
+            <a:pPr marL="0" indent="0">
+              <a:buNone/>
+            </a:pPr>
+            <a:r>
+              <a:rPr lang="zh-TW" altLang="en-US" dirty="0"/>
+              <a:t>畫圖分析特徵</a:t>
+            </a:r>
+          </a:p>
+        </p:txBody>
+      </p:sp>
+      <p:pic>
+        <p:nvPicPr>
+          <p:cNvPr id="7" name="圖片 6">
+            <a:extLst>
+              <a:ext uri="{FF2B5EF4-FFF2-40B4-BE49-F238E27FC236}">
+                <a16:creationId xmlns:a16="http://schemas.microsoft.com/office/drawing/2014/main" id="{C7F820DF-42CE-4550-91B1-C6B46D426800}"/>
+              </a:ext>
+            </a:extLst>
+          </p:cNvPr>
+          <p:cNvPicPr>
+            <a:picLocks noChangeAspect="1"/>
+          </p:cNvPicPr>
+          <p:nvPr/>
+        </p:nvPicPr>
+        <p:blipFill>
+          <a:blip r:embed="rId2">
+            <a:extLst>
+              <a:ext uri="{28A0092B-C50C-407E-A947-70E740481C1C}">
+                <a14:useLocalDpi xmlns:a14="http://schemas.microsoft.com/office/drawing/2010/main" val="0"/>
+              </a:ext>
+            </a:extLst>
+          </a:blip>
+          <a:stretch>
+            <a:fillRect/>
+          </a:stretch>
+        </p:blipFill>
+        <p:spPr>
+          <a:xfrm>
+            <a:off x="6029130" y="372099"/>
+            <a:ext cx="5324670" cy="2129868"/>
+          </a:xfrm>
+          <a:prstGeom prst="rect">
+            <a:avLst/>
+          </a:prstGeom>
+        </p:spPr>
+      </p:pic>
+      <p:sp>
+        <p:nvSpPr>
+          <p:cNvPr id="8" name="文字方塊 7">
+            <a:extLst>
+              <a:ext uri="{FF2B5EF4-FFF2-40B4-BE49-F238E27FC236}">
+                <a16:creationId xmlns:a16="http://schemas.microsoft.com/office/drawing/2014/main" id="{7912C1AA-12D3-4D40-9804-46F9CCB665C9}"/>
+              </a:ext>
+            </a:extLst>
+          </p:cNvPr>
+          <p:cNvSpPr txBox="1"/>
+          <p:nvPr/>
+        </p:nvSpPr>
+        <p:spPr>
+          <a:xfrm>
+            <a:off x="7045447" y="2800762"/>
+            <a:ext cx="3666478" cy="646331"/>
+          </a:xfrm>
+          <a:prstGeom prst="rect">
+            <a:avLst/>
+          </a:prstGeom>
+          <a:noFill/>
+        </p:spPr>
+        <p:txBody>
+          <a:bodyPr wrap="square" rtlCol="0">
+            <a:spAutoFit/>
+          </a:bodyPr>
+          <a:lstStyle/>
+          <a:p>
+            <a:r>
+              <a:rPr lang="zh-TW" altLang="en-US" dirty="0"/>
+              <a:t>可看出隨著地震時間接近，該特徵值越大，但會被假地震混淆。</a:t>
+            </a:r>
+          </a:p>
+        </p:txBody>
+      </p:sp>
+      <p:pic>
+        <p:nvPicPr>
+          <p:cNvPr id="12" name="圖片 11">
+            <a:extLst>
+              <a:ext uri="{FF2B5EF4-FFF2-40B4-BE49-F238E27FC236}">
+                <a16:creationId xmlns:a16="http://schemas.microsoft.com/office/drawing/2014/main" id="{FCCA3D8E-D988-4085-AE19-5039C8BBF816}"/>
+              </a:ext>
+            </a:extLst>
+          </p:cNvPr>
+          <p:cNvPicPr>
+            <a:picLocks noChangeAspect="1"/>
+          </p:cNvPicPr>
+          <p:nvPr/>
+        </p:nvPicPr>
+        <p:blipFill>
+          <a:blip r:embed="rId3">
+            <a:extLst>
+              <a:ext uri="{28A0092B-C50C-407E-A947-70E740481C1C}">
+                <a14:useLocalDpi xmlns:a14="http://schemas.microsoft.com/office/drawing/2010/main" val="0"/>
+              </a:ext>
+            </a:extLst>
+          </a:blip>
+          <a:stretch>
+            <a:fillRect/>
+          </a:stretch>
+        </p:blipFill>
+        <p:spPr>
+          <a:xfrm>
+            <a:off x="6096000" y="3447093"/>
+            <a:ext cx="5247053" cy="2098821"/>
+          </a:xfrm>
+          <a:prstGeom prst="rect">
+            <a:avLst/>
+          </a:prstGeom>
+        </p:spPr>
+      </p:pic>
+      <p:sp>
+        <p:nvSpPr>
+          <p:cNvPr id="13" name="文字方塊 12">
+            <a:extLst>
+              <a:ext uri="{FF2B5EF4-FFF2-40B4-BE49-F238E27FC236}">
+                <a16:creationId xmlns:a16="http://schemas.microsoft.com/office/drawing/2014/main" id="{43D170F8-C9CF-45C7-889C-0CF2613C57CA}"/>
+              </a:ext>
+            </a:extLst>
+          </p:cNvPr>
+          <p:cNvSpPr txBox="1"/>
+          <p:nvPr/>
+        </p:nvSpPr>
+        <p:spPr>
+          <a:xfrm>
+            <a:off x="7045447" y="5725826"/>
+            <a:ext cx="3666478" cy="646331"/>
+          </a:xfrm>
+          <a:prstGeom prst="rect">
+            <a:avLst/>
+          </a:prstGeom>
+          <a:noFill/>
+        </p:spPr>
+        <p:txBody>
+          <a:bodyPr wrap="square" rtlCol="0">
+            <a:spAutoFit/>
+          </a:bodyPr>
+          <a:lstStyle/>
+          <a:p>
+            <a:r>
+              <a:rPr lang="zh-TW" altLang="en-US" dirty="0"/>
+              <a:t>在假地震中起伏不如真地震明顯，可幫助判別假地震。</a:t>
+            </a:r>
+          </a:p>
+        </p:txBody>
+      </p:sp>
+      <p:pic>
+        <p:nvPicPr>
+          <p:cNvPr id="15" name="圖片 14">
+            <a:extLst>
+              <a:ext uri="{FF2B5EF4-FFF2-40B4-BE49-F238E27FC236}">
+                <a16:creationId xmlns:a16="http://schemas.microsoft.com/office/drawing/2014/main" id="{57065587-7630-417B-B25B-ECA0A7FA9344}"/>
+              </a:ext>
+            </a:extLst>
+          </p:cNvPr>
+          <p:cNvPicPr>
+            <a:picLocks noChangeAspect="1"/>
+          </p:cNvPicPr>
+          <p:nvPr/>
+        </p:nvPicPr>
+        <p:blipFill>
+          <a:blip r:embed="rId4">
+            <a:extLst>
+              <a:ext uri="{28A0092B-C50C-407E-A947-70E740481C1C}">
+                <a14:useLocalDpi xmlns:a14="http://schemas.microsoft.com/office/drawing/2010/main" val="0"/>
+              </a:ext>
+            </a:extLst>
+          </a:blip>
+          <a:stretch>
+            <a:fillRect/>
+          </a:stretch>
+        </p:blipFill>
+        <p:spPr>
+          <a:xfrm>
+            <a:off x="593815" y="3008626"/>
+            <a:ext cx="4720886" cy="1888354"/>
+          </a:xfrm>
+          <a:prstGeom prst="rect">
+            <a:avLst/>
+          </a:prstGeom>
+        </p:spPr>
+      </p:pic>
+      <p:sp>
+        <p:nvSpPr>
+          <p:cNvPr id="16" name="文字方塊 15">
+            <a:extLst>
+              <a:ext uri="{FF2B5EF4-FFF2-40B4-BE49-F238E27FC236}">
+                <a16:creationId xmlns:a16="http://schemas.microsoft.com/office/drawing/2014/main" id="{159844F8-FD51-492E-9317-35ADC53AF614}"/>
+              </a:ext>
+            </a:extLst>
+          </p:cNvPr>
+          <p:cNvSpPr txBox="1"/>
+          <p:nvPr/>
+        </p:nvSpPr>
+        <p:spPr>
+          <a:xfrm>
+            <a:off x="1412788" y="5162320"/>
+            <a:ext cx="3666478" cy="369332"/>
+          </a:xfrm>
+          <a:prstGeom prst="rect">
+            <a:avLst/>
+          </a:prstGeom>
+          <a:noFill/>
+        </p:spPr>
+        <p:txBody>
+          <a:bodyPr wrap="square" rtlCol="0">
+            <a:spAutoFit/>
+          </a:bodyPr>
+          <a:lstStyle/>
+          <a:p>
+            <a:r>
+              <a:rPr lang="zh-TW" altLang="en-US" dirty="0"/>
+              <a:t>沒有明顯的關係及模式</a:t>
+            </a:r>
+          </a:p>
+        </p:txBody>
+      </p:sp>
+    </p:spTree>
+    <p:extLst>
+      <p:ext uri="{BB962C8B-B14F-4D97-AF65-F5344CB8AC3E}">
+        <p14:creationId xmlns:p14="http://schemas.microsoft.com/office/powerpoint/2010/main" val="1724115018"/>
+      </p:ext>
+    </p:extLst>
+  </p:cSld>
+  <p:clrMapOvr>
+    <a:masterClrMapping/>
+  </p:clrMapOvr>
+</p:sld>
+</file>
+
+<file path=ppt/slides/slide8.xml><?xml version="1.0" encoding="utf-8"?>
+<p:sld xmlns:a="http://schemas.openxmlformats.org/drawingml/2006/main" xmlns:r="http://schemas.openxmlformats.org/officeDocument/2006/relationships" xmlns:p="http://schemas.openxmlformats.org/presentationml/2006/main">
+  <p:cSld>
+    <p:spTree>
+      <p:nvGrpSpPr>
+        <p:cNvPr id="1" name=""/>
+        <p:cNvGrpSpPr/>
+        <p:nvPr/>
+      </p:nvGrpSpPr>
+      <p:grpSpPr>
+        <a:xfrm>
+          <a:off x="0" y="0"/>
+          <a:ext cx="0" cy="0"/>
+          <a:chOff x="0" y="0"/>
+          <a:chExt cx="0" cy="0"/>
+        </a:xfrm>
+      </p:grpSpPr>
+      <p:sp>
+        <p:nvSpPr>
+          <p:cNvPr id="2" name="標題 1">
+            <a:extLst>
+              <a:ext uri="{FF2B5EF4-FFF2-40B4-BE49-F238E27FC236}">
+                <a16:creationId xmlns:a16="http://schemas.microsoft.com/office/drawing/2014/main" id="{06BC3908-8DA1-4128-BA3D-90DF94EBF6A3}"/>
+              </a:ext>
+            </a:extLst>
+          </p:cNvPr>
+          <p:cNvSpPr>
+            <a:spLocks noGrp="1"/>
+          </p:cNvSpPr>
+          <p:nvPr>
+            <p:ph type="title"/>
+          </p:nvPr>
+        </p:nvSpPr>
+        <p:spPr/>
+        <p:txBody>
+          <a:bodyPr/>
+          <a:lstStyle/>
+          <a:p>
+            <a:r>
+              <a:rPr lang="zh-TW" altLang="en-US"/>
+              <a:t>建模</a:t>
+            </a:r>
+            <a:endParaRPr lang="zh-TW" altLang="en-US" dirty="0"/>
+          </a:p>
+        </p:txBody>
+      </p:sp>
+      <p:sp>
+        <p:nvSpPr>
+          <p:cNvPr id="3" name="內容版面配置區 2">
+            <a:extLst>
+              <a:ext uri="{FF2B5EF4-FFF2-40B4-BE49-F238E27FC236}">
                 <a16:creationId xmlns:a16="http://schemas.microsoft.com/office/drawing/2014/main" id="{687154E3-19E4-4B0B-AF87-02FA852100F7}"/>
               </a:ext>
             </a:extLst>
@@ -3855,23 +6165,304 @@
             <p:ph idx="1"/>
           </p:nvPr>
         </p:nvSpPr>
-        <p:spPr/>
-        <p:txBody>
-          <a:bodyPr/>
-          <a:lstStyle/>
-          <a:p>
+        <p:spPr>
+          <a:xfrm>
+            <a:off x="838200" y="1825625"/>
+            <a:ext cx="6707819" cy="4351338"/>
+          </a:xfrm>
+        </p:spPr>
+        <p:txBody>
+          <a:bodyPr>
+            <a:normAutofit lnSpcReduction="10000"/>
+          </a:bodyPr>
+          <a:lstStyle/>
+          <a:p>
+            <a:r>
+              <a:rPr lang="zh-TW" altLang="en-US" dirty="0"/>
+              <a:t>使用</a:t>
+            </a:r>
+            <a:r>
+              <a:rPr lang="en-US" altLang="zh-TW" dirty="0" err="1"/>
+              <a:t>LightGBM</a:t>
+            </a:r>
+            <a:endParaRPr lang="en-US" altLang="zh-TW" dirty="0"/>
+          </a:p>
+          <a:p>
+            <a:r>
+              <a:rPr lang="zh-TW" altLang="en-US" dirty="0"/>
+              <a:t>驗證方法</a:t>
+            </a:r>
             <a:r>
               <a:rPr lang="en-US" altLang="zh-TW" dirty="0"/>
-              <a:t>Rolling window std</a:t>
-            </a:r>
+              <a:t>:</a:t>
+            </a:r>
+            <a:r>
+              <a:rPr lang="zh-TW" altLang="en-US" dirty="0"/>
+              <a:t> </a:t>
+            </a:r>
+            <a:r>
+              <a:rPr lang="en-US" altLang="zh-TW" dirty="0"/>
+              <a:t>5-fold Cross Validation</a:t>
+            </a:r>
+          </a:p>
+          <a:p>
+            <a:endParaRPr lang="en-US" altLang="zh-TW" dirty="0"/>
+          </a:p>
+          <a:p>
+            <a:endParaRPr lang="en-US" altLang="zh-TW" dirty="0"/>
+          </a:p>
+          <a:p>
+            <a:endParaRPr lang="en-US" altLang="zh-TW" dirty="0"/>
+          </a:p>
+          <a:p>
+            <a:endParaRPr lang="en-US" altLang="zh-TW" dirty="0"/>
+          </a:p>
+          <a:p>
+            <a:endParaRPr lang="en-US" altLang="zh-TW" dirty="0"/>
+          </a:p>
+          <a:p>
+            <a:r>
+              <a:rPr lang="zh-TW" altLang="en-US" dirty="0"/>
+              <a:t>加了</a:t>
+            </a:r>
+            <a:r>
+              <a:rPr lang="en-US" altLang="zh-TW" dirty="0"/>
+              <a:t>STFT</a:t>
+            </a:r>
+            <a:r>
+              <a:rPr lang="zh-TW" altLang="en-US" dirty="0"/>
+              <a:t>相關的特徵，</a:t>
+            </a:r>
+            <a:br>
+              <a:rPr lang="en-US" altLang="zh-TW" dirty="0"/>
+            </a:br>
+            <a:r>
+              <a:rPr lang="zh-TW" altLang="en-US" dirty="0"/>
+              <a:t>提升排名至銀牌。</a:t>
+            </a:r>
+            <a:endParaRPr lang="en-US" altLang="zh-TW" dirty="0"/>
+          </a:p>
+          <a:p>
+            <a:pPr lvl="1"/>
+            <a:endParaRPr lang="en-US" altLang="zh-TW" dirty="0"/>
+          </a:p>
+          <a:p>
             <a:endParaRPr lang="zh-TW" altLang="en-US" dirty="0"/>
           </a:p>
         </p:txBody>
       </p:sp>
+      <p:pic>
+        <p:nvPicPr>
+          <p:cNvPr id="5" name="圖片 4" descr="一張含有 螢幕擷取畫面 的圖片&#10;&#10;自動產生的描述">
+            <a:extLst>
+              <a:ext uri="{FF2B5EF4-FFF2-40B4-BE49-F238E27FC236}">
+                <a16:creationId xmlns:a16="http://schemas.microsoft.com/office/drawing/2014/main" id="{9245D4EE-8586-4108-9B3B-29D5C2EF36BB}"/>
+              </a:ext>
+            </a:extLst>
+          </p:cNvPr>
+          <p:cNvPicPr>
+            <a:picLocks noChangeAspect="1"/>
+          </p:cNvPicPr>
+          <p:nvPr/>
+        </p:nvPicPr>
+        <p:blipFill>
+          <a:blip r:embed="rId2">
+            <a:extLst>
+              <a:ext uri="{28A0092B-C50C-407E-A947-70E740481C1C}">
+                <a14:useLocalDpi xmlns:a14="http://schemas.microsoft.com/office/drawing/2010/main" val="0"/>
+              </a:ext>
+            </a:extLst>
+          </a:blip>
+          <a:stretch>
+            <a:fillRect/>
+          </a:stretch>
+        </p:blipFill>
+        <p:spPr>
+          <a:xfrm>
+            <a:off x="7819655" y="823913"/>
+            <a:ext cx="2571750" cy="5353050"/>
+          </a:xfrm>
+          <a:prstGeom prst="rect">
+            <a:avLst/>
+          </a:prstGeom>
+        </p:spPr>
+      </p:pic>
+      <p:pic>
+        <p:nvPicPr>
+          <p:cNvPr id="6" name="圖片 5">
+            <a:extLst>
+              <a:ext uri="{FF2B5EF4-FFF2-40B4-BE49-F238E27FC236}">
+                <a16:creationId xmlns:a16="http://schemas.microsoft.com/office/drawing/2014/main" id="{01E7721B-E87B-46FF-AA2A-17011E10C703}"/>
+              </a:ext>
+            </a:extLst>
+          </p:cNvPr>
+          <p:cNvPicPr>
+            <a:picLocks noChangeAspect="1"/>
+          </p:cNvPicPr>
+          <p:nvPr/>
+        </p:nvPicPr>
+        <p:blipFill>
+          <a:blip r:embed="rId3">
+            <a:extLst>
+              <a:ext uri="{28A0092B-C50C-407E-A947-70E740481C1C}">
+                <a14:useLocalDpi xmlns:a14="http://schemas.microsoft.com/office/drawing/2010/main" val="0"/>
+              </a:ext>
+            </a:extLst>
+          </a:blip>
+          <a:stretch>
+            <a:fillRect/>
+          </a:stretch>
+        </p:blipFill>
+        <p:spPr>
+          <a:xfrm>
+            <a:off x="1413096" y="2851600"/>
+            <a:ext cx="3000283" cy="2021930"/>
+          </a:xfrm>
+          <a:prstGeom prst="rect">
+            <a:avLst/>
+          </a:prstGeom>
+        </p:spPr>
+      </p:pic>
     </p:spTree>
     <p:extLst>
       <p:ext uri="{BB962C8B-B14F-4D97-AF65-F5344CB8AC3E}">
         <p14:creationId xmlns:p14="http://schemas.microsoft.com/office/powerpoint/2010/main" val="3310104438"/>
+      </p:ext>
+    </p:extLst>
+  </p:cSld>
+  <p:clrMapOvr>
+    <a:masterClrMapping/>
+  </p:clrMapOvr>
+</p:sld>
+</file>
+
+<file path=ppt/slides/slide9.xml><?xml version="1.0" encoding="utf-8"?>
+<p:sld xmlns:a="http://schemas.openxmlformats.org/drawingml/2006/main" xmlns:r="http://schemas.openxmlformats.org/officeDocument/2006/relationships" xmlns:p="http://schemas.openxmlformats.org/presentationml/2006/main">
+  <p:cSld>
+    <p:spTree>
+      <p:nvGrpSpPr>
+        <p:cNvPr id="1" name=""/>
+        <p:cNvGrpSpPr/>
+        <p:nvPr/>
+      </p:nvGrpSpPr>
+      <p:grpSpPr>
+        <a:xfrm>
+          <a:off x="0" y="0"/>
+          <a:ext cx="0" cy="0"/>
+          <a:chOff x="0" y="0"/>
+          <a:chExt cx="0" cy="0"/>
+        </a:xfrm>
+      </p:grpSpPr>
+      <p:sp>
+        <p:nvSpPr>
+          <p:cNvPr id="2" name="標題 1">
+            <a:extLst>
+              <a:ext uri="{FF2B5EF4-FFF2-40B4-BE49-F238E27FC236}">
+                <a16:creationId xmlns:a16="http://schemas.microsoft.com/office/drawing/2014/main" id="{0AC39B36-6FC8-4550-898C-CD19BE9B8054}"/>
+              </a:ext>
+            </a:extLst>
+          </p:cNvPr>
+          <p:cNvSpPr>
+            <a:spLocks noGrp="1"/>
+          </p:cNvSpPr>
+          <p:nvPr>
+            <p:ph type="title"/>
+          </p:nvPr>
+        </p:nvSpPr>
+        <p:spPr/>
+        <p:txBody>
+          <a:bodyPr/>
+          <a:lstStyle/>
+          <a:p>
+            <a:r>
+              <a:rPr lang="zh-TW" altLang="en-US" dirty="0"/>
+              <a:t>其他嘗試</a:t>
+            </a:r>
+          </a:p>
+        </p:txBody>
+      </p:sp>
+      <p:sp>
+        <p:nvSpPr>
+          <p:cNvPr id="3" name="內容版面配置區 2">
+            <a:extLst>
+              <a:ext uri="{FF2B5EF4-FFF2-40B4-BE49-F238E27FC236}">
+                <a16:creationId xmlns:a16="http://schemas.microsoft.com/office/drawing/2014/main" id="{41BBB4BB-76F3-4037-93F0-8CA7474E748F}"/>
+              </a:ext>
+            </a:extLst>
+          </p:cNvPr>
+          <p:cNvSpPr>
+            <a:spLocks noGrp="1"/>
+          </p:cNvSpPr>
+          <p:nvPr>
+            <p:ph idx="1"/>
+          </p:nvPr>
+        </p:nvSpPr>
+        <p:spPr/>
+        <p:txBody>
+          <a:bodyPr/>
+          <a:lstStyle/>
+          <a:p>
+            <a:r>
+              <a:rPr lang="zh-TW" altLang="en-US" dirty="0"/>
+              <a:t>使用 </a:t>
+            </a:r>
+            <a:r>
+              <a:rPr lang="en-US" altLang="zh-TW" dirty="0"/>
+              <a:t>GRU/CNN</a:t>
+            </a:r>
+            <a:r>
+              <a:rPr lang="zh-TW" altLang="en-US" dirty="0"/>
+              <a:t> 對原始訊號或是頻譜直接建模</a:t>
+            </a:r>
+            <a:endParaRPr lang="en-US" altLang="zh-TW" dirty="0"/>
+          </a:p>
+          <a:p>
+            <a:r>
+              <a:rPr lang="zh-TW" altLang="en-US" dirty="0"/>
+              <a:t>重複採樣增加數據量</a:t>
+            </a:r>
+            <a:endParaRPr lang="en-US" altLang="zh-TW" dirty="0"/>
+          </a:p>
+          <a:p>
+            <a:r>
+              <a:rPr lang="zh-TW" altLang="en-US" dirty="0"/>
+              <a:t>預測上一波地震經過的時間</a:t>
+            </a:r>
+            <a:r>
+              <a:rPr lang="en-US" altLang="zh-TW" dirty="0"/>
+              <a:t>(</a:t>
+            </a:r>
+            <a:r>
+              <a:rPr lang="zh-TW" altLang="en-US" dirty="0"/>
+              <a:t>更改優化目標</a:t>
+            </a:r>
+            <a:r>
+              <a:rPr lang="en-US" altLang="zh-TW" dirty="0"/>
+              <a:t>)</a:t>
+            </a:r>
+          </a:p>
+          <a:p>
+            <a:r>
+              <a:rPr lang="zh-TW" altLang="en-US" dirty="0"/>
+              <a:t>使用不同目標函數</a:t>
+            </a:r>
+            <a:endParaRPr lang="en-US" altLang="zh-TW" dirty="0"/>
+          </a:p>
+          <a:p>
+            <a:endParaRPr lang="en-US" altLang="zh-TW" dirty="0"/>
+          </a:p>
+          <a:p>
+            <a:endParaRPr lang="en-US" altLang="zh-TW" dirty="0"/>
+          </a:p>
+          <a:p>
+            <a:endParaRPr lang="zh-TW" altLang="en-US" dirty="0"/>
+          </a:p>
+        </p:txBody>
+      </p:sp>
+    </p:spTree>
+    <p:extLst>
+      <p:ext uri="{BB962C8B-B14F-4D97-AF65-F5344CB8AC3E}">
+        <p14:creationId xmlns:p14="http://schemas.microsoft.com/office/powerpoint/2010/main" val="340014583"/>
       </p:ext>
     </p:extLst>
   </p:cSld>
